--- a/Slides/Football 2/Footballl_2_Lecture.pptx
+++ b/Slides/Football 2/Footballl_2_Lecture.pptx
@@ -219,7 +219,7 @@
           <a:p>
             <a:fld id="{C04E5E84-956F-4423-97B3-5936A6D8EEEE}" type="datetimeFigureOut">
               <a:rPr lang="en-US" smtClean="0"/>
-              <a:t>10/13/2019</a:t>
+              <a:t>10/16/2020</a:t>
             </a:fld>
             <a:endParaRPr lang="en-US"/>
           </a:p>
@@ -671,7 +671,7 @@
           <a:p>
             <a:fld id="{3881C039-66A3-4640-815B-3B5A8B7D868D}" type="datetimeFigureOut">
               <a:rPr lang="en-US" smtClean="0"/>
-              <a:t>10/13/2019</a:t>
+              <a:t>10/16/2020</a:t>
             </a:fld>
             <a:endParaRPr lang="en-US"/>
           </a:p>
@@ -969,7 +969,7 @@
           <a:p>
             <a:fld id="{3881C039-66A3-4640-815B-3B5A8B7D868D}" type="datetimeFigureOut">
               <a:rPr lang="en-US" smtClean="0"/>
-              <a:t>10/13/2019</a:t>
+              <a:t>10/16/2020</a:t>
             </a:fld>
             <a:endParaRPr lang="en-US"/>
           </a:p>
@@ -1161,7 +1161,7 @@
           <a:p>
             <a:fld id="{3881C039-66A3-4640-815B-3B5A8B7D868D}" type="datetimeFigureOut">
               <a:rPr lang="en-US" smtClean="0"/>
-              <a:t>10/13/2019</a:t>
+              <a:t>10/16/2020</a:t>
             </a:fld>
             <a:endParaRPr lang="en-US"/>
           </a:p>
@@ -1422,7 +1422,7 @@
           <a:p>
             <a:fld id="{3881C039-66A3-4640-815B-3B5A8B7D868D}" type="datetimeFigureOut">
               <a:rPr lang="en-US" smtClean="0"/>
-              <a:t>10/13/2019</a:t>
+              <a:t>10/16/2020</a:t>
             </a:fld>
             <a:endParaRPr lang="en-US"/>
           </a:p>
@@ -1846,7 +1846,7 @@
           <a:p>
             <a:fld id="{3881C039-66A3-4640-815B-3B5A8B7D868D}" type="datetimeFigureOut">
               <a:rPr lang="en-US" smtClean="0"/>
-              <a:t>10/13/2019</a:t>
+              <a:t>10/16/2020</a:t>
             </a:fld>
             <a:endParaRPr lang="en-US"/>
           </a:p>
@@ -2383,7 +2383,7 @@
           <a:p>
             <a:fld id="{3881C039-66A3-4640-815B-3B5A8B7D868D}" type="datetimeFigureOut">
               <a:rPr lang="en-US" smtClean="0"/>
-              <a:t>10/13/2019</a:t>
+              <a:t>10/16/2020</a:t>
             </a:fld>
             <a:endParaRPr lang="en-US"/>
           </a:p>
@@ -3247,7 +3247,7 @@
           <a:p>
             <a:fld id="{3881C039-66A3-4640-815B-3B5A8B7D868D}" type="datetimeFigureOut">
               <a:rPr lang="en-US" smtClean="0"/>
-              <a:t>10/13/2019</a:t>
+              <a:t>10/16/2020</a:t>
             </a:fld>
             <a:endParaRPr lang="en-US"/>
           </a:p>
@@ -3417,7 +3417,7 @@
           <a:p>
             <a:fld id="{3881C039-66A3-4640-815B-3B5A8B7D868D}" type="datetimeFigureOut">
               <a:rPr lang="en-US" smtClean="0"/>
-              <a:t>10/13/2019</a:t>
+              <a:t>10/16/2020</a:t>
             </a:fld>
             <a:endParaRPr lang="en-US"/>
           </a:p>
@@ -3601,7 +3601,7 @@
           <a:p>
             <a:fld id="{3881C039-66A3-4640-815B-3B5A8B7D868D}" type="datetimeFigureOut">
               <a:rPr lang="en-US" smtClean="0"/>
-              <a:t>10/13/2019</a:t>
+              <a:t>10/16/2020</a:t>
             </a:fld>
             <a:endParaRPr lang="en-US"/>
           </a:p>
@@ -3771,7 +3771,7 @@
           <a:p>
             <a:fld id="{3881C039-66A3-4640-815B-3B5A8B7D868D}" type="datetimeFigureOut">
               <a:rPr lang="en-US" smtClean="0"/>
-              <a:t>10/13/2019</a:t>
+              <a:t>10/16/2020</a:t>
             </a:fld>
             <a:endParaRPr lang="en-US"/>
           </a:p>
@@ -4015,7 +4015,7 @@
           <a:p>
             <a:fld id="{3881C039-66A3-4640-815B-3B5A8B7D868D}" type="datetimeFigureOut">
               <a:rPr lang="en-US" smtClean="0"/>
-              <a:t>10/13/2019</a:t>
+              <a:t>10/16/2020</a:t>
             </a:fld>
             <a:endParaRPr lang="en-US"/>
           </a:p>
@@ -4251,7 +4251,7 @@
           <a:p>
             <a:fld id="{3881C039-66A3-4640-815B-3B5A8B7D868D}" type="datetimeFigureOut">
               <a:rPr lang="en-US" smtClean="0"/>
-              <a:t>10/13/2019</a:t>
+              <a:t>10/16/2020</a:t>
             </a:fld>
             <a:endParaRPr lang="en-US"/>
           </a:p>
@@ -4717,7 +4717,7 @@
           <a:p>
             <a:fld id="{3881C039-66A3-4640-815B-3B5A8B7D868D}" type="datetimeFigureOut">
               <a:rPr lang="en-US" smtClean="0"/>
-              <a:t>10/13/2019</a:t>
+              <a:t>10/16/2020</a:t>
             </a:fld>
             <a:endParaRPr lang="en-US"/>
           </a:p>
@@ -4835,7 +4835,7 @@
           <a:p>
             <a:fld id="{3881C039-66A3-4640-815B-3B5A8B7D868D}" type="datetimeFigureOut">
               <a:rPr lang="en-US" smtClean="0"/>
-              <a:t>10/13/2019</a:t>
+              <a:t>10/16/2020</a:t>
             </a:fld>
             <a:endParaRPr lang="en-US"/>
           </a:p>
@@ -4930,7 +4930,7 @@
           <a:p>
             <a:fld id="{3881C039-66A3-4640-815B-3B5A8B7D868D}" type="datetimeFigureOut">
               <a:rPr lang="en-US" smtClean="0"/>
-              <a:t>10/13/2019</a:t>
+              <a:t>10/16/2020</a:t>
             </a:fld>
             <a:endParaRPr lang="en-US"/>
           </a:p>
@@ -5185,7 +5185,7 @@
           <a:p>
             <a:fld id="{3881C039-66A3-4640-815B-3B5A8B7D868D}" type="datetimeFigureOut">
               <a:rPr lang="en-US" smtClean="0"/>
-              <a:t>10/13/2019</a:t>
+              <a:t>10/16/2020</a:t>
             </a:fld>
             <a:endParaRPr lang="en-US"/>
           </a:p>
@@ -5485,7 +5485,7 @@
           <a:p>
             <a:fld id="{3881C039-66A3-4640-815B-3B5A8B7D868D}" type="datetimeFigureOut">
               <a:rPr lang="en-US" smtClean="0"/>
-              <a:t>10/13/2019</a:t>
+              <a:t>10/16/2020</a:t>
             </a:fld>
             <a:endParaRPr lang="en-US"/>
           </a:p>
@@ -5719,7 +5719,7 @@
           <a:p>
             <a:fld id="{3881C039-66A3-4640-815B-3B5A8B7D868D}" type="datetimeFigureOut">
               <a:rPr lang="en-US" smtClean="0"/>
-              <a:t>10/13/2019</a:t>
+              <a:t>10/16/2020</a:t>
             </a:fld>
             <a:endParaRPr lang="en-US"/>
           </a:p>
@@ -10262,13 +10262,10 @@
               </a:rPr>
               <a:t>Brees</a:t>
             </a:r>
-            <a:r>
-              <a:rPr lang="en-US" sz="1800" dirty="0">
-                <a:effectLst/>
-                <a:latin typeface="Selawik Semibold" panose="020B0702040204020203" pitchFamily="34" charset="0"/>
-              </a:rPr>
-              <a:t>)</a:t>
-            </a:r>
+            <a:endParaRPr lang="en-US" sz="1800" dirty="0">
+              <a:effectLst/>
+              <a:latin typeface="Selawik Semibold" panose="020B0702040204020203" pitchFamily="34" charset="0"/>
+            </a:endParaRPr>
           </a:p>
           <a:p>
             <a:pPr marL="377100" lvl="1" indent="0">
@@ -11363,7 +11360,7 @@
                 <a:effectLst/>
                 <a:latin typeface="Selawik Semibold" panose="020B0702040204020203" pitchFamily="34" charset="0"/>
               </a:rPr>
-              <a:t>Defense-Adjusted Value Over Average (DOVA)</a:t>
+              <a:t>Defense-Adjusted Value Over Average (DVOA)</a:t>
             </a:r>
           </a:p>
           <a:p>
@@ -11392,11 +11389,11 @@
                 <a:effectLst/>
                 <a:latin typeface="Selawik Semibold" panose="020B0702040204020203" pitchFamily="34" charset="0"/>
               </a:rPr>
-              <a:t>Defense-Adjusted Value Over Replacement (DOFA)</a:t>
-            </a:r>
-          </a:p>
-          <a:p>
-            <a:pPr marL="377100" lvl="1" indent="0">
+              <a:t>Defense-Adjusted Yards Over Replacement (DYOA)</a:t>
+            </a:r>
+          </a:p>
+          <a:p>
+            <a:pPr marL="0" indent="0">
               <a:spcBef>
                 <a:spcPts val="0"/>
               </a:spcBef>
@@ -11410,8 +11407,34 @@
               <a:buFont typeface="Wingdings" panose="05000000000000000000" pitchFamily="2" charset="2"/>
               <a:buChar char="v"/>
             </a:pPr>
-            <a:r>
-              <a:rPr lang="en-US" sz="2000" dirty="0">
+            <a:endParaRPr lang="en-US" sz="2200" dirty="0">
+              <a:solidFill>
+                <a:schemeClr val="bg2">
+                  <a:lumMod val="10000"/>
+                  <a:lumOff val="90000"/>
+                </a:schemeClr>
+              </a:solidFill>
+              <a:effectLst/>
+              <a:latin typeface="Selawik Semibold" panose="020B0702040204020203" pitchFamily="34" charset="0"/>
+            </a:endParaRPr>
+          </a:p>
+          <a:p>
+            <a:pPr marL="0" indent="0">
+              <a:spcBef>
+                <a:spcPts val="0"/>
+              </a:spcBef>
+              <a:spcAft>
+                <a:spcPts val="0"/>
+              </a:spcAft>
+              <a:buClr>
+                <a:srgbClr val="D34817"/>
+              </a:buClr>
+              <a:buSzPct val="100000"/>
+              <a:buFont typeface="Wingdings" panose="05000000000000000000" pitchFamily="2" charset="2"/>
+              <a:buChar char="v"/>
+            </a:pPr>
+            <a:r>
+              <a:rPr lang="en-US" sz="2200" dirty="0">
                 <a:solidFill>
                   <a:schemeClr val="bg2">
                     <a:lumMod val="10000"/>
@@ -11421,7 +11444,7 @@
                 <a:effectLst/>
                 <a:latin typeface="Selawik Semibold" panose="020B0702040204020203" pitchFamily="34" charset="0"/>
               </a:rPr>
-              <a:t>Adjusted Yards Per Attempt</a:t>
+              <a:t>Adjusted Yards Per Attempt from Sporting Charts</a:t>
             </a:r>
           </a:p>
           <a:p>
@@ -11942,7 +11965,7 @@
         <p:spPr>
           <a:xfrm>
             <a:off x="10013004" y="1760270"/>
-            <a:ext cx="2490145" cy="1338828"/>
+            <a:ext cx="2490145" cy="2086725"/>
           </a:xfrm>
           <a:prstGeom prst="rect">
             <a:avLst/>
@@ -12069,6 +12092,90 @@
               </a:rPr>
               <a:t>ATT = Attempts</a:t>
             </a:r>
+          </a:p>
+          <a:p>
+            <a:pPr marL="0" lvl="2">
+              <a:lnSpc>
+                <a:spcPct val="90000"/>
+              </a:lnSpc>
+              <a:spcBef>
+                <a:spcPts val="0"/>
+              </a:spcBef>
+              <a:spcAft>
+                <a:spcPts val="0"/>
+              </a:spcAft>
+              <a:buClr>
+                <a:srgbClr val="D34817"/>
+              </a:buClr>
+              <a:buSzPct val="100000"/>
+            </a:pPr>
+            <a:r>
+              <a:rPr lang="en-US" dirty="0">
+                <a:solidFill>
+                  <a:schemeClr val="bg2">
+                    <a:lumMod val="10000"/>
+                    <a:lumOff val="90000"/>
+                  </a:schemeClr>
+                </a:solidFill>
+                <a:latin typeface="Selawik Semibold" panose="020B0702040204020203" pitchFamily="34" charset="0"/>
+              </a:rPr>
+              <a:t>SYDS=Sack Yards</a:t>
+            </a:r>
+          </a:p>
+          <a:p>
+            <a:pPr marL="0" lvl="2">
+              <a:lnSpc>
+                <a:spcPct val="90000"/>
+              </a:lnSpc>
+              <a:spcBef>
+                <a:spcPts val="0"/>
+              </a:spcBef>
+              <a:spcAft>
+                <a:spcPts val="0"/>
+              </a:spcAft>
+              <a:buClr>
+                <a:srgbClr val="D34817"/>
+              </a:buClr>
+              <a:buSzPct val="100000"/>
+            </a:pPr>
+            <a:r>
+              <a:rPr lang="en-US" dirty="0">
+                <a:solidFill>
+                  <a:schemeClr val="bg2">
+                    <a:lumMod val="10000"/>
+                    <a:lumOff val="90000"/>
+                  </a:schemeClr>
+                </a:solidFill>
+                <a:latin typeface="Selawik Semibold" panose="020B0702040204020203" pitchFamily="34" charset="0"/>
+              </a:rPr>
+              <a:t>S=Sacks</a:t>
+            </a:r>
+          </a:p>
+          <a:p>
+            <a:pPr marL="0" lvl="2">
+              <a:lnSpc>
+                <a:spcPct val="90000"/>
+              </a:lnSpc>
+              <a:spcBef>
+                <a:spcPts val="0"/>
+              </a:spcBef>
+              <a:spcAft>
+                <a:spcPts val="0"/>
+              </a:spcAft>
+              <a:buClr>
+                <a:srgbClr val="D34817"/>
+              </a:buClr>
+              <a:buSzPct val="100000"/>
+            </a:pPr>
+            <a:endParaRPr lang="en-US" dirty="0">
+              <a:solidFill>
+                <a:schemeClr val="bg2">
+                  <a:lumMod val="10000"/>
+                  <a:lumOff val="90000"/>
+                </a:schemeClr>
+              </a:solidFill>
+              <a:latin typeface="Selawik Semibold" panose="020B0702040204020203" pitchFamily="34" charset="0"/>
+            </a:endParaRPr>
           </a:p>
           <a:p>
             <a:pPr marL="0" lvl="2">
@@ -12114,8 +12221,8 @@
             </p:nvSpPr>
             <p:spPr>
               <a:xfrm>
-                <a:off x="1450840" y="2932793"/>
-                <a:ext cx="7848538" cy="461665"/>
+                <a:off x="927557" y="3245951"/>
+                <a:ext cx="9819073" cy="815673"/>
               </a:xfrm>
               <a:prstGeom prst="rect">
                 <a:avLst/>
@@ -12128,6 +12235,7 @@
               </a:bodyPr>
               <a:lstStyle/>
               <a:p>
+                <a:pPr/>
                 <a14:m>
                   <m:oMathPara xmlns:m="http://schemas.openxmlformats.org/officeDocument/2006/math">
                     <m:oMathParaPr>
@@ -12176,60 +12284,85 @@
                         </a:rPr>
                         <m:t>=</m:t>
                       </m:r>
-                      <m:r>
-                        <a:rPr lang="en-US" sz="2400" b="0" i="1" smtClean="0">
-                          <a:latin typeface="Cambria Math" panose="02040503050406030204" pitchFamily="18" charset="0"/>
-                        </a:rPr>
-                        <m:t>(</m:t>
-                      </m:r>
-                      <m:r>
-                        <a:rPr lang="en-US" sz="2400" b="0" i="1" smtClean="0">
-                          <a:latin typeface="Cambria Math" panose="02040503050406030204" pitchFamily="18" charset="0"/>
-                        </a:rPr>
-                        <m:t>𝑌𝐷𝑆</m:t>
-                      </m:r>
-                      <m:r>
-                        <a:rPr lang="en-US" sz="2400" b="0" i="0" smtClean="0">
-                          <a:latin typeface="Cambria Math" panose="02040503050406030204" pitchFamily="18" charset="0"/>
-                        </a:rPr>
-                        <m:t>+20</m:t>
-                      </m:r>
-                      <m:r>
-                        <a:rPr lang="en-US" sz="2400" b="0" i="1" smtClean="0">
-                          <a:latin typeface="Cambria Math" panose="02040503050406030204" pitchFamily="18" charset="0"/>
-                        </a:rPr>
-                        <m:t>×</m:t>
-                      </m:r>
-                      <m:r>
-                        <a:rPr lang="en-US" sz="2400" b="0" i="1" smtClean="0">
-                          <a:latin typeface="Cambria Math" panose="02040503050406030204" pitchFamily="18" charset="0"/>
-                        </a:rPr>
-                        <m:t>𝑇𝐷</m:t>
-                      </m:r>
-                      <m:r>
-                        <a:rPr lang="en-US" sz="2400" b="0" i="1" smtClean="0">
-                          <a:latin typeface="Cambria Math" panose="02040503050406030204" pitchFamily="18" charset="0"/>
-                        </a:rPr>
-                        <m:t>−45×</m:t>
-                      </m:r>
-                      <m:r>
-                        <a:rPr lang="en-US" sz="2400" b="0" i="1" smtClean="0">
-                          <a:latin typeface="Cambria Math" panose="02040503050406030204" pitchFamily="18" charset="0"/>
-                        </a:rPr>
-                        <m:t>𝐼𝑁𝑇</m:t>
-                      </m:r>
-                      <m:r>
-                        <a:rPr lang="en-US" sz="2400" b="0" i="1" smtClean="0">
-                          <a:latin typeface="Cambria Math" panose="02040503050406030204" pitchFamily="18" charset="0"/>
-                        </a:rPr>
-                        <m:t>)/</m:t>
-                      </m:r>
-                      <m:r>
-                        <a:rPr lang="en-US" sz="2400" b="0" i="1" smtClean="0">
-                          <a:latin typeface="Cambria Math" panose="02040503050406030204" pitchFamily="18" charset="0"/>
-                        </a:rPr>
-                        <m:t>𝐴𝑇𝑇</m:t>
-                      </m:r>
+                      <m:f>
+                        <m:fPr>
+                          <m:ctrlPr>
+                            <a:rPr lang="en-US" sz="2400" i="1" smtClean="0">
+                              <a:latin typeface="Cambria Math" panose="02040503050406030204" pitchFamily="18" charset="0"/>
+                            </a:rPr>
+                          </m:ctrlPr>
+                        </m:fPr>
+                        <m:num>
+                          <m:r>
+                            <a:rPr lang="en-US" sz="2400" i="1">
+                              <a:latin typeface="Cambria Math" panose="02040503050406030204" pitchFamily="18" charset="0"/>
+                            </a:rPr>
+                            <m:t>𝑌𝐷𝑆</m:t>
+                          </m:r>
+                          <m:r>
+                            <a:rPr lang="en-US" sz="2400">
+                              <a:latin typeface="Cambria Math" panose="02040503050406030204" pitchFamily="18" charset="0"/>
+                            </a:rPr>
+                            <m:t>+20</m:t>
+                          </m:r>
+                          <m:r>
+                            <a:rPr lang="en-US" sz="2400" i="1">
+                              <a:latin typeface="Cambria Math" panose="02040503050406030204" pitchFamily="18" charset="0"/>
+                            </a:rPr>
+                            <m:t>×</m:t>
+                          </m:r>
+                          <m:r>
+                            <a:rPr lang="en-US" sz="2400" i="1">
+                              <a:latin typeface="Cambria Math" panose="02040503050406030204" pitchFamily="18" charset="0"/>
+                            </a:rPr>
+                            <m:t>𝑇𝐷</m:t>
+                          </m:r>
+                          <m:r>
+                            <a:rPr lang="en-US" sz="2400" i="1">
+                              <a:latin typeface="Cambria Math" panose="02040503050406030204" pitchFamily="18" charset="0"/>
+                            </a:rPr>
+                            <m:t>−45×</m:t>
+                          </m:r>
+                          <m:r>
+                            <a:rPr lang="en-US" sz="2400" i="1">
+                              <a:latin typeface="Cambria Math" panose="02040503050406030204" pitchFamily="18" charset="0"/>
+                            </a:rPr>
+                            <m:t>𝐼𝑁𝑇</m:t>
+                          </m:r>
+                          <m:r>
+                            <a:rPr lang="en-US" sz="2400" i="1">
+                              <a:latin typeface="Cambria Math" panose="02040503050406030204" pitchFamily="18" charset="0"/>
+                            </a:rPr>
+                            <m:t>−</m:t>
+                          </m:r>
+                          <m:r>
+                            <a:rPr lang="en-US" sz="2400" i="1">
+                              <a:latin typeface="Cambria Math" panose="02040503050406030204" pitchFamily="18" charset="0"/>
+                            </a:rPr>
+                            <m:t>𝑆𝑌𝐷𝑆</m:t>
+                          </m:r>
+                        </m:num>
+                        <m:den>
+                          <m:r>
+                            <a:rPr lang="en-US" sz="2400" i="1">
+                              <a:latin typeface="Cambria Math" panose="02040503050406030204" pitchFamily="18" charset="0"/>
+                            </a:rPr>
+                            <m:t>𝐴𝑇𝑇</m:t>
+                          </m:r>
+                          <m:r>
+                            <a:rPr lang="en-US" sz="2400" i="1">
+                              <a:latin typeface="Cambria Math" panose="02040503050406030204" pitchFamily="18" charset="0"/>
+                            </a:rPr>
+                            <m:t>+</m:t>
+                          </m:r>
+                          <m:r>
+                            <a:rPr lang="en-US" sz="2400" i="1">
+                              <a:latin typeface="Cambria Math" panose="02040503050406030204" pitchFamily="18" charset="0"/>
+                            </a:rPr>
+                            <m:t>𝑆</m:t>
+                          </m:r>
+                        </m:den>
+                      </m:f>
                     </m:oMath>
                   </m:oMathPara>
                 </a14:m>
@@ -12255,8 +12388,8 @@
             </p:nvSpPr>
             <p:spPr>
               <a:xfrm>
-                <a:off x="1450840" y="2932793"/>
-                <a:ext cx="7848538" cy="461665"/>
+                <a:off x="927557" y="3245951"/>
+                <a:ext cx="9819073" cy="815673"/>
               </a:xfrm>
               <a:prstGeom prst="rect">
                 <a:avLst/>
@@ -12264,7 +12397,7 @@
               <a:blipFill>
                 <a:blip r:embed="rId7"/>
                 <a:stretch>
-                  <a:fillRect b="-18421"/>
+                  <a:fillRect/>
                 </a:stretch>
               </a:blipFill>
             </p:spPr>
@@ -13409,8 +13542,8 @@
           </a:p>
         </p:txBody>
       </p:sp>
-      <mc:AlternateContent xmlns:mc="http://schemas.openxmlformats.org/markup-compatibility/2006">
-        <mc:Choice xmlns:a14="http://schemas.microsoft.com/office/drawing/2010/main" Requires="a14">
+      <mc:AlternateContent xmlns:mc="http://schemas.openxmlformats.org/markup-compatibility/2006" xmlns:a14="http://schemas.microsoft.com/office/drawing/2010/main">
+        <mc:Choice Requires="a14">
           <p:sp>
             <p:nvSpPr>
               <p:cNvPr id="14" name="TextBox 13">
@@ -13439,6 +13572,7 @@
               </a:bodyPr>
               <a:lstStyle/>
               <a:p>
+                <a:pPr/>
                 <a14:m>
                   <m:oMathPara xmlns:m="http://schemas.openxmlformats.org/officeDocument/2006/math">
                     <m:oMathParaPr>
@@ -13513,7 +13647,7 @@
             </p:txBody>
           </p:sp>
         </mc:Choice>
-        <mc:Fallback>
+        <mc:Fallback xmlns="">
           <p:sp>
             <p:nvSpPr>
               <p:cNvPr id="14" name="TextBox 13">

--- a/Slides/Football 2/Footballl_2_Lecture.pptx
+++ b/Slides/Football 2/Footballl_2_Lecture.pptx
@@ -219,7 +219,7 @@
           <a:p>
             <a:fld id="{C04E5E84-956F-4423-97B3-5936A6D8EEEE}" type="datetimeFigureOut">
               <a:rPr lang="en-US" smtClean="0"/>
-              <a:t>10/16/2020</a:t>
+              <a:t>3/28/2021</a:t>
             </a:fld>
             <a:endParaRPr lang="en-US"/>
           </a:p>
@@ -671,7 +671,7 @@
           <a:p>
             <a:fld id="{3881C039-66A3-4640-815B-3B5A8B7D868D}" type="datetimeFigureOut">
               <a:rPr lang="en-US" smtClean="0"/>
-              <a:t>10/16/2020</a:t>
+              <a:t>3/28/2021</a:t>
             </a:fld>
             <a:endParaRPr lang="en-US"/>
           </a:p>
@@ -969,7 +969,7 @@
           <a:p>
             <a:fld id="{3881C039-66A3-4640-815B-3B5A8B7D868D}" type="datetimeFigureOut">
               <a:rPr lang="en-US" smtClean="0"/>
-              <a:t>10/16/2020</a:t>
+              <a:t>3/28/2021</a:t>
             </a:fld>
             <a:endParaRPr lang="en-US"/>
           </a:p>
@@ -1161,7 +1161,7 @@
           <a:p>
             <a:fld id="{3881C039-66A3-4640-815B-3B5A8B7D868D}" type="datetimeFigureOut">
               <a:rPr lang="en-US" smtClean="0"/>
-              <a:t>10/16/2020</a:t>
+              <a:t>3/28/2021</a:t>
             </a:fld>
             <a:endParaRPr lang="en-US"/>
           </a:p>
@@ -1422,7 +1422,7 @@
           <a:p>
             <a:fld id="{3881C039-66A3-4640-815B-3B5A8B7D868D}" type="datetimeFigureOut">
               <a:rPr lang="en-US" smtClean="0"/>
-              <a:t>10/16/2020</a:t>
+              <a:t>3/28/2021</a:t>
             </a:fld>
             <a:endParaRPr lang="en-US"/>
           </a:p>
@@ -1846,7 +1846,7 @@
           <a:p>
             <a:fld id="{3881C039-66A3-4640-815B-3B5A8B7D868D}" type="datetimeFigureOut">
               <a:rPr lang="en-US" smtClean="0"/>
-              <a:t>10/16/2020</a:t>
+              <a:t>3/28/2021</a:t>
             </a:fld>
             <a:endParaRPr lang="en-US"/>
           </a:p>
@@ -2383,7 +2383,7 @@
           <a:p>
             <a:fld id="{3881C039-66A3-4640-815B-3B5A8B7D868D}" type="datetimeFigureOut">
               <a:rPr lang="en-US" smtClean="0"/>
-              <a:t>10/16/2020</a:t>
+              <a:t>3/28/2021</a:t>
             </a:fld>
             <a:endParaRPr lang="en-US"/>
           </a:p>
@@ -3247,7 +3247,7 @@
           <a:p>
             <a:fld id="{3881C039-66A3-4640-815B-3B5A8B7D868D}" type="datetimeFigureOut">
               <a:rPr lang="en-US" smtClean="0"/>
-              <a:t>10/16/2020</a:t>
+              <a:t>3/28/2021</a:t>
             </a:fld>
             <a:endParaRPr lang="en-US"/>
           </a:p>
@@ -3417,7 +3417,7 @@
           <a:p>
             <a:fld id="{3881C039-66A3-4640-815B-3B5A8B7D868D}" type="datetimeFigureOut">
               <a:rPr lang="en-US" smtClean="0"/>
-              <a:t>10/16/2020</a:t>
+              <a:t>3/28/2021</a:t>
             </a:fld>
             <a:endParaRPr lang="en-US"/>
           </a:p>
@@ -3601,7 +3601,7 @@
           <a:p>
             <a:fld id="{3881C039-66A3-4640-815B-3B5A8B7D868D}" type="datetimeFigureOut">
               <a:rPr lang="en-US" smtClean="0"/>
-              <a:t>10/16/2020</a:t>
+              <a:t>3/28/2021</a:t>
             </a:fld>
             <a:endParaRPr lang="en-US"/>
           </a:p>
@@ -3771,7 +3771,7 @@
           <a:p>
             <a:fld id="{3881C039-66A3-4640-815B-3B5A8B7D868D}" type="datetimeFigureOut">
               <a:rPr lang="en-US" smtClean="0"/>
-              <a:t>10/16/2020</a:t>
+              <a:t>3/28/2021</a:t>
             </a:fld>
             <a:endParaRPr lang="en-US"/>
           </a:p>
@@ -4015,7 +4015,7 @@
           <a:p>
             <a:fld id="{3881C039-66A3-4640-815B-3B5A8B7D868D}" type="datetimeFigureOut">
               <a:rPr lang="en-US" smtClean="0"/>
-              <a:t>10/16/2020</a:t>
+              <a:t>3/28/2021</a:t>
             </a:fld>
             <a:endParaRPr lang="en-US"/>
           </a:p>
@@ -4251,7 +4251,7 @@
           <a:p>
             <a:fld id="{3881C039-66A3-4640-815B-3B5A8B7D868D}" type="datetimeFigureOut">
               <a:rPr lang="en-US" smtClean="0"/>
-              <a:t>10/16/2020</a:t>
+              <a:t>3/28/2021</a:t>
             </a:fld>
             <a:endParaRPr lang="en-US"/>
           </a:p>
@@ -4717,7 +4717,7 @@
           <a:p>
             <a:fld id="{3881C039-66A3-4640-815B-3B5A8B7D868D}" type="datetimeFigureOut">
               <a:rPr lang="en-US" smtClean="0"/>
-              <a:t>10/16/2020</a:t>
+              <a:t>3/28/2021</a:t>
             </a:fld>
             <a:endParaRPr lang="en-US"/>
           </a:p>
@@ -4835,7 +4835,7 @@
           <a:p>
             <a:fld id="{3881C039-66A3-4640-815B-3B5A8B7D868D}" type="datetimeFigureOut">
               <a:rPr lang="en-US" smtClean="0"/>
-              <a:t>10/16/2020</a:t>
+              <a:t>3/28/2021</a:t>
             </a:fld>
             <a:endParaRPr lang="en-US"/>
           </a:p>
@@ -4930,7 +4930,7 @@
           <a:p>
             <a:fld id="{3881C039-66A3-4640-815B-3B5A8B7D868D}" type="datetimeFigureOut">
               <a:rPr lang="en-US" smtClean="0"/>
-              <a:t>10/16/2020</a:t>
+              <a:t>3/28/2021</a:t>
             </a:fld>
             <a:endParaRPr lang="en-US"/>
           </a:p>
@@ -5185,7 +5185,7 @@
           <a:p>
             <a:fld id="{3881C039-66A3-4640-815B-3B5A8B7D868D}" type="datetimeFigureOut">
               <a:rPr lang="en-US" smtClean="0"/>
-              <a:t>10/16/2020</a:t>
+              <a:t>3/28/2021</a:t>
             </a:fld>
             <a:endParaRPr lang="en-US"/>
           </a:p>
@@ -5485,7 +5485,7 @@
           <a:p>
             <a:fld id="{3881C039-66A3-4640-815B-3B5A8B7D868D}" type="datetimeFigureOut">
               <a:rPr lang="en-US" smtClean="0"/>
-              <a:t>10/16/2020</a:t>
+              <a:t>3/28/2021</a:t>
             </a:fld>
             <a:endParaRPr lang="en-US"/>
           </a:p>
@@ -5719,7 +5719,7 @@
           <a:p>
             <a:fld id="{3881C039-66A3-4640-815B-3B5A8B7D868D}" type="datetimeFigureOut">
               <a:rPr lang="en-US" smtClean="0"/>
-              <a:t>10/16/2020</a:t>
+              <a:t>3/28/2021</a:t>
             </a:fld>
             <a:endParaRPr lang="en-US"/>
           </a:p>
@@ -6542,8 +6542,31 @@
                 <a:effectLst/>
                 <a:latin typeface="Selawik Semibold" panose="020B0702040204020203" pitchFamily="34" charset="0"/>
               </a:rPr>
-              <a:t>Produced by Dr. Mario | UNC STOR 390</a:t>
-            </a:r>
+              <a:t>Produced by Dr. Mario | UNC </a:t>
+            </a:r>
+            <a:r>
+              <a:rPr lang="en-US">
+                <a:ln>
+                  <a:noFill/>
+                </a:ln>
+                <a:solidFill>
+                  <a:srgbClr val="D34817"/>
+                </a:solidFill>
+                <a:effectLst/>
+                <a:latin typeface="Selawik Semibold" panose="020B0702040204020203" pitchFamily="34" charset="0"/>
+              </a:rPr>
+              <a:t>STOR 538</a:t>
+            </a:r>
+            <a:endParaRPr lang="en-US" dirty="0">
+              <a:ln>
+                <a:noFill/>
+              </a:ln>
+              <a:solidFill>
+                <a:srgbClr val="D34817"/>
+              </a:solidFill>
+              <a:effectLst/>
+              <a:latin typeface="Selawik Semibold" panose="020B0702040204020203" pitchFamily="34" charset="0"/>
+            </a:endParaRPr>
           </a:p>
         </p:txBody>
       </p:sp>
@@ -11393,7 +11416,7 @@
             </a:r>
           </a:p>
           <a:p>
-            <a:pPr marL="0" indent="0">
+            <a:pPr marL="377100" lvl="1" indent="0">
               <a:spcBef>
                 <a:spcPts val="0"/>
               </a:spcBef>
@@ -11404,114 +11427,7 @@
                 <a:srgbClr val="D34817"/>
               </a:buClr>
               <a:buSzPct val="100000"/>
-              <a:buFont typeface="Wingdings" panose="05000000000000000000" pitchFamily="2" charset="2"/>
-              <a:buChar char="v"/>
-            </a:pPr>
-            <a:endParaRPr lang="en-US" sz="2200" dirty="0">
-              <a:solidFill>
-                <a:schemeClr val="bg2">
-                  <a:lumMod val="10000"/>
-                  <a:lumOff val="90000"/>
-                </a:schemeClr>
-              </a:solidFill>
-              <a:effectLst/>
-              <a:latin typeface="Selawik Semibold" panose="020B0702040204020203" pitchFamily="34" charset="0"/>
-            </a:endParaRPr>
-          </a:p>
-          <a:p>
-            <a:pPr marL="0" indent="0">
-              <a:spcBef>
-                <a:spcPts val="0"/>
-              </a:spcBef>
-              <a:spcAft>
-                <a:spcPts val="0"/>
-              </a:spcAft>
-              <a:buClr>
-                <a:srgbClr val="D34817"/>
-              </a:buClr>
-              <a:buSzPct val="100000"/>
-              <a:buFont typeface="Wingdings" panose="05000000000000000000" pitchFamily="2" charset="2"/>
-              <a:buChar char="v"/>
-            </a:pPr>
-            <a:r>
-              <a:rPr lang="en-US" sz="2200" dirty="0">
-                <a:solidFill>
-                  <a:schemeClr val="bg2">
-                    <a:lumMod val="10000"/>
-                    <a:lumOff val="90000"/>
-                  </a:schemeClr>
-                </a:solidFill>
-                <a:effectLst/>
-                <a:latin typeface="Selawik Semibold" panose="020B0702040204020203" pitchFamily="34" charset="0"/>
-              </a:rPr>
-              <a:t>Adjusted Yards Per Attempt from Sporting Charts</a:t>
-            </a:r>
-          </a:p>
-          <a:p>
-            <a:pPr marL="377100" lvl="1" indent="0">
-              <a:spcBef>
-                <a:spcPts val="0"/>
-              </a:spcBef>
-              <a:spcAft>
-                <a:spcPts val="0"/>
-              </a:spcAft>
-              <a:buClr>
-                <a:srgbClr val="D34817"/>
-              </a:buClr>
-              <a:buSzPct val="100000"/>
-              <a:buFont typeface="Wingdings" panose="05000000000000000000" pitchFamily="2" charset="2"/>
-              <a:buChar char="v"/>
-            </a:pPr>
-            <a:endParaRPr lang="en-US" sz="2000" dirty="0">
-              <a:solidFill>
-                <a:schemeClr val="bg2">
-                  <a:lumMod val="10000"/>
-                  <a:lumOff val="90000"/>
-                </a:schemeClr>
-              </a:solidFill>
-              <a:effectLst/>
-              <a:latin typeface="Selawik Semibold" panose="020B0702040204020203" pitchFamily="34" charset="0"/>
-            </a:endParaRPr>
-          </a:p>
-          <a:p>
-            <a:pPr marL="377100" lvl="1" indent="0">
-              <a:spcBef>
-                <a:spcPts val="0"/>
-              </a:spcBef>
-              <a:spcAft>
-                <a:spcPts val="0"/>
-              </a:spcAft>
-              <a:buClr>
-                <a:srgbClr val="D34817"/>
-              </a:buClr>
-              <a:buSzPct val="100000"/>
-              <a:buNone/>
-            </a:pPr>
-            <a:endParaRPr lang="en-US" sz="2000" dirty="0">
-              <a:solidFill>
-                <a:schemeClr val="bg2">
-                  <a:lumMod val="10000"/>
-                  <a:lumOff val="90000"/>
-                </a:schemeClr>
-              </a:solidFill>
-              <a:effectLst/>
-              <a:latin typeface="Selawik Semibold" panose="020B0702040204020203" pitchFamily="34" charset="0"/>
-            </a:endParaRPr>
-          </a:p>
-          <a:p>
-            <a:pPr marL="377100" lvl="1" indent="0">
-              <a:spcBef>
-                <a:spcPts val="0"/>
-              </a:spcBef>
-              <a:spcAft>
-                <a:spcPts val="0"/>
-              </a:spcAft>
-              <a:buClr>
-                <a:srgbClr val="D34817"/>
-              </a:buClr>
-              <a:buSzPct val="100000"/>
-              <a:buFont typeface="Wingdings" panose="05000000000000000000" pitchFamily="2" charset="2"/>
-              <a:buChar char="v"/>
+              <a:buNone/>
             </a:pPr>
             <a:endParaRPr lang="en-US" sz="2000" dirty="0">
               <a:solidFill>
@@ -12205,217 +12121,6 @@
           </a:p>
         </p:txBody>
       </p:sp>
-      <mc:AlternateContent xmlns:mc="http://schemas.openxmlformats.org/markup-compatibility/2006">
-        <mc:Choice xmlns:a14="http://schemas.microsoft.com/office/drawing/2010/main" Requires="a14">
-          <p:sp>
-            <p:nvSpPr>
-              <p:cNvPr id="3" name="TextBox 2">
-                <a:extLst>
-                  <a:ext uri="{FF2B5EF4-FFF2-40B4-BE49-F238E27FC236}">
-                    <a16:creationId xmlns:a16="http://schemas.microsoft.com/office/drawing/2014/main" id="{3D058F81-89BC-4E26-9A71-E9318D7F839D}"/>
-                  </a:ext>
-                </a:extLst>
-              </p:cNvPr>
-              <p:cNvSpPr txBox="1"/>
-              <p:nvPr/>
-            </p:nvSpPr>
-            <p:spPr>
-              <a:xfrm>
-                <a:off x="927557" y="3245951"/>
-                <a:ext cx="9819073" cy="815673"/>
-              </a:xfrm>
-              <a:prstGeom prst="rect">
-                <a:avLst/>
-              </a:prstGeom>
-              <a:noFill/>
-            </p:spPr>
-            <p:txBody>
-              <a:bodyPr wrap="square" rtlCol="0">
-                <a:spAutoFit/>
-              </a:bodyPr>
-              <a:lstStyle/>
-              <a:p>
-                <a:pPr/>
-                <a14:m>
-                  <m:oMathPara xmlns:m="http://schemas.openxmlformats.org/officeDocument/2006/math">
-                    <m:oMathParaPr>
-                      <m:jc m:val="centerGroup"/>
-                    </m:oMathParaPr>
-                    <m:oMath xmlns:m="http://schemas.openxmlformats.org/officeDocument/2006/math">
-                      <m:r>
-                        <a:rPr lang="en-US" sz="2400" i="1" smtClean="0">
-                          <a:latin typeface="Cambria Math" panose="02040503050406030204" pitchFamily="18" charset="0"/>
-                        </a:rPr>
-                        <m:t>𝐴</m:t>
-                      </m:r>
-                      <m:r>
-                        <a:rPr lang="en-US" sz="2400" b="0" i="1" smtClean="0">
-                          <a:latin typeface="Cambria Math" panose="02040503050406030204" pitchFamily="18" charset="0"/>
-                        </a:rPr>
-                        <m:t>𝑑𝑗𝑢𝑠𝑡𝑒𝑑</m:t>
-                      </m:r>
-                      <m:r>
-                        <a:rPr lang="en-US" sz="2400" b="0" i="1" smtClean="0">
-                          <a:latin typeface="Cambria Math" panose="02040503050406030204" pitchFamily="18" charset="0"/>
-                        </a:rPr>
-                        <m:t> </m:t>
-                      </m:r>
-                      <m:r>
-                        <a:rPr lang="en-US" sz="2400" b="0" i="1" smtClean="0">
-                          <a:latin typeface="Cambria Math" panose="02040503050406030204" pitchFamily="18" charset="0"/>
-                        </a:rPr>
-                        <m:t>𝑌𝐷𝑆</m:t>
-                      </m:r>
-                      <m:r>
-                        <a:rPr lang="en-US" sz="2400" b="0" i="1" smtClean="0">
-                          <a:latin typeface="Cambria Math" panose="02040503050406030204" pitchFamily="18" charset="0"/>
-                        </a:rPr>
-                        <m:t>/</m:t>
-                      </m:r>
-                      <m:r>
-                        <a:rPr lang="en-US" sz="2400" b="0" i="1" smtClean="0">
-                          <a:latin typeface="Cambria Math" panose="02040503050406030204" pitchFamily="18" charset="0"/>
-                        </a:rPr>
-                        <m:t>𝐴𝑇𝑇</m:t>
-                      </m:r>
-                      <m:r>
-                        <a:rPr lang="en-US" sz="2400" i="1" smtClean="0">
-                          <a:latin typeface="Cambria Math" panose="02040503050406030204" pitchFamily="18" charset="0"/>
-                        </a:rPr>
-                        <m:t>=</m:t>
-                      </m:r>
-                      <m:f>
-                        <m:fPr>
-                          <m:ctrlPr>
-                            <a:rPr lang="en-US" sz="2400" i="1" smtClean="0">
-                              <a:latin typeface="Cambria Math" panose="02040503050406030204" pitchFamily="18" charset="0"/>
-                            </a:rPr>
-                          </m:ctrlPr>
-                        </m:fPr>
-                        <m:num>
-                          <m:r>
-                            <a:rPr lang="en-US" sz="2400" i="1">
-                              <a:latin typeface="Cambria Math" panose="02040503050406030204" pitchFamily="18" charset="0"/>
-                            </a:rPr>
-                            <m:t>𝑌𝐷𝑆</m:t>
-                          </m:r>
-                          <m:r>
-                            <a:rPr lang="en-US" sz="2400">
-                              <a:latin typeface="Cambria Math" panose="02040503050406030204" pitchFamily="18" charset="0"/>
-                            </a:rPr>
-                            <m:t>+20</m:t>
-                          </m:r>
-                          <m:r>
-                            <a:rPr lang="en-US" sz="2400" i="1">
-                              <a:latin typeface="Cambria Math" panose="02040503050406030204" pitchFamily="18" charset="0"/>
-                            </a:rPr>
-                            <m:t>×</m:t>
-                          </m:r>
-                          <m:r>
-                            <a:rPr lang="en-US" sz="2400" i="1">
-                              <a:latin typeface="Cambria Math" panose="02040503050406030204" pitchFamily="18" charset="0"/>
-                            </a:rPr>
-                            <m:t>𝑇𝐷</m:t>
-                          </m:r>
-                          <m:r>
-                            <a:rPr lang="en-US" sz="2400" i="1">
-                              <a:latin typeface="Cambria Math" panose="02040503050406030204" pitchFamily="18" charset="0"/>
-                            </a:rPr>
-                            <m:t>−45×</m:t>
-                          </m:r>
-                          <m:r>
-                            <a:rPr lang="en-US" sz="2400" i="1">
-                              <a:latin typeface="Cambria Math" panose="02040503050406030204" pitchFamily="18" charset="0"/>
-                            </a:rPr>
-                            <m:t>𝐼𝑁𝑇</m:t>
-                          </m:r>
-                          <m:r>
-                            <a:rPr lang="en-US" sz="2400" i="1">
-                              <a:latin typeface="Cambria Math" panose="02040503050406030204" pitchFamily="18" charset="0"/>
-                            </a:rPr>
-                            <m:t>−</m:t>
-                          </m:r>
-                          <m:r>
-                            <a:rPr lang="en-US" sz="2400" i="1">
-                              <a:latin typeface="Cambria Math" panose="02040503050406030204" pitchFamily="18" charset="0"/>
-                            </a:rPr>
-                            <m:t>𝑆𝑌𝐷𝑆</m:t>
-                          </m:r>
-                        </m:num>
-                        <m:den>
-                          <m:r>
-                            <a:rPr lang="en-US" sz="2400" i="1">
-                              <a:latin typeface="Cambria Math" panose="02040503050406030204" pitchFamily="18" charset="0"/>
-                            </a:rPr>
-                            <m:t>𝐴𝑇𝑇</m:t>
-                          </m:r>
-                          <m:r>
-                            <a:rPr lang="en-US" sz="2400" i="1">
-                              <a:latin typeface="Cambria Math" panose="02040503050406030204" pitchFamily="18" charset="0"/>
-                            </a:rPr>
-                            <m:t>+</m:t>
-                          </m:r>
-                          <m:r>
-                            <a:rPr lang="en-US" sz="2400" i="1">
-                              <a:latin typeface="Cambria Math" panose="02040503050406030204" pitchFamily="18" charset="0"/>
-                            </a:rPr>
-                            <m:t>𝑆</m:t>
-                          </m:r>
-                        </m:den>
-                      </m:f>
-                    </m:oMath>
-                  </m:oMathPara>
-                </a14:m>
-                <a:endParaRPr lang="en-US" sz="2400" dirty="0"/>
-              </a:p>
-            </p:txBody>
-          </p:sp>
-        </mc:Choice>
-        <mc:Fallback>
-          <p:sp>
-            <p:nvSpPr>
-              <p:cNvPr id="3" name="TextBox 2">
-                <a:extLst>
-                  <a:ext uri="{FF2B5EF4-FFF2-40B4-BE49-F238E27FC236}">
-                    <a16:creationId xmlns:a16="http://schemas.microsoft.com/office/drawing/2014/main" id="{3D058F81-89BC-4E26-9A71-E9318D7F839D}"/>
-                  </a:ext>
-                </a:extLst>
-              </p:cNvPr>
-              <p:cNvSpPr txBox="1">
-                <a:spLocks noRot="1" noChangeAspect="1" noMove="1" noResize="1" noEditPoints="1" noAdjustHandles="1" noChangeArrowheads="1" noChangeShapeType="1" noTextEdit="1"/>
-              </p:cNvSpPr>
-              <p:nvPr/>
-            </p:nvSpPr>
-            <p:spPr>
-              <a:xfrm>
-                <a:off x="927557" y="3245951"/>
-                <a:ext cx="9819073" cy="815673"/>
-              </a:xfrm>
-              <a:prstGeom prst="rect">
-                <a:avLst/>
-              </a:prstGeom>
-              <a:blipFill>
-                <a:blip r:embed="rId7"/>
-                <a:stretch>
-                  <a:fillRect/>
-                </a:stretch>
-              </a:blipFill>
-            </p:spPr>
-            <p:txBody>
-              <a:bodyPr/>
-              <a:lstStyle/>
-              <a:p>
-                <a:r>
-                  <a:rPr lang="en-US">
-                    <a:noFill/>
-                  </a:rPr>
-                  <a:t> </a:t>
-                </a:r>
-              </a:p>
-            </p:txBody>
-          </p:sp>
-        </mc:Fallback>
-      </mc:AlternateContent>
     </p:spTree>
     <p:extLst>
       <p:ext uri="{BB962C8B-B14F-4D97-AF65-F5344CB8AC3E}">

--- a/Slides/Football 2/Footballl_2_Lecture.pptx
+++ b/Slides/Football 2/Footballl_2_Lecture.pptx
@@ -5,7 +5,7 @@
     <p:sldMasterId id="2147483900" r:id="rId1"/>
   </p:sldMasterIdLst>
   <p:notesMasterIdLst>
-    <p:notesMasterId r:id="rId13"/>
+    <p:notesMasterId r:id="rId14"/>
   </p:notesMasterIdLst>
   <p:sldIdLst>
     <p:sldId id="298" r:id="rId2"/>
@@ -18,7 +18,8 @@
     <p:sldId id="313" r:id="rId9"/>
     <p:sldId id="315" r:id="rId10"/>
     <p:sldId id="314" r:id="rId11"/>
-    <p:sldId id="281" r:id="rId12"/>
+    <p:sldId id="316" r:id="rId12"/>
+    <p:sldId id="281" r:id="rId13"/>
   </p:sldIdLst>
   <p:sldSz cx="12192000" cy="6858000"/>
   <p:notesSz cx="6858000" cy="9144000"/>
@@ -219,7 +220,7 @@
           <a:p>
             <a:fld id="{C04E5E84-956F-4423-97B3-5936A6D8EEEE}" type="datetimeFigureOut">
               <a:rPr lang="en-US" smtClean="0"/>
-              <a:t>3/28/2021</a:t>
+              <a:t>4/2/2023</a:t>
             </a:fld>
             <a:endParaRPr lang="en-US"/>
           </a:p>
@@ -671,7 +672,7 @@
           <a:p>
             <a:fld id="{3881C039-66A3-4640-815B-3B5A8B7D868D}" type="datetimeFigureOut">
               <a:rPr lang="en-US" smtClean="0"/>
-              <a:t>3/28/2021</a:t>
+              <a:t>4/2/2023</a:t>
             </a:fld>
             <a:endParaRPr lang="en-US"/>
           </a:p>
@@ -969,7 +970,7 @@
           <a:p>
             <a:fld id="{3881C039-66A3-4640-815B-3B5A8B7D868D}" type="datetimeFigureOut">
               <a:rPr lang="en-US" smtClean="0"/>
-              <a:t>3/28/2021</a:t>
+              <a:t>4/2/2023</a:t>
             </a:fld>
             <a:endParaRPr lang="en-US"/>
           </a:p>
@@ -1161,7 +1162,7 @@
           <a:p>
             <a:fld id="{3881C039-66A3-4640-815B-3B5A8B7D868D}" type="datetimeFigureOut">
               <a:rPr lang="en-US" smtClean="0"/>
-              <a:t>3/28/2021</a:t>
+              <a:t>4/2/2023</a:t>
             </a:fld>
             <a:endParaRPr lang="en-US"/>
           </a:p>
@@ -1422,7 +1423,7 @@
           <a:p>
             <a:fld id="{3881C039-66A3-4640-815B-3B5A8B7D868D}" type="datetimeFigureOut">
               <a:rPr lang="en-US" smtClean="0"/>
-              <a:t>3/28/2021</a:t>
+              <a:t>4/2/2023</a:t>
             </a:fld>
             <a:endParaRPr lang="en-US"/>
           </a:p>
@@ -1846,7 +1847,7 @@
           <a:p>
             <a:fld id="{3881C039-66A3-4640-815B-3B5A8B7D868D}" type="datetimeFigureOut">
               <a:rPr lang="en-US" smtClean="0"/>
-              <a:t>3/28/2021</a:t>
+              <a:t>4/2/2023</a:t>
             </a:fld>
             <a:endParaRPr lang="en-US"/>
           </a:p>
@@ -2383,7 +2384,7 @@
           <a:p>
             <a:fld id="{3881C039-66A3-4640-815B-3B5A8B7D868D}" type="datetimeFigureOut">
               <a:rPr lang="en-US" smtClean="0"/>
-              <a:t>3/28/2021</a:t>
+              <a:t>4/2/2023</a:t>
             </a:fld>
             <a:endParaRPr lang="en-US"/>
           </a:p>
@@ -3247,7 +3248,7 @@
           <a:p>
             <a:fld id="{3881C039-66A3-4640-815B-3B5A8B7D868D}" type="datetimeFigureOut">
               <a:rPr lang="en-US" smtClean="0"/>
-              <a:t>3/28/2021</a:t>
+              <a:t>4/2/2023</a:t>
             </a:fld>
             <a:endParaRPr lang="en-US"/>
           </a:p>
@@ -3417,7 +3418,7 @@
           <a:p>
             <a:fld id="{3881C039-66A3-4640-815B-3B5A8B7D868D}" type="datetimeFigureOut">
               <a:rPr lang="en-US" smtClean="0"/>
-              <a:t>3/28/2021</a:t>
+              <a:t>4/2/2023</a:t>
             </a:fld>
             <a:endParaRPr lang="en-US"/>
           </a:p>
@@ -3601,7 +3602,7 @@
           <a:p>
             <a:fld id="{3881C039-66A3-4640-815B-3B5A8B7D868D}" type="datetimeFigureOut">
               <a:rPr lang="en-US" smtClean="0"/>
-              <a:t>3/28/2021</a:t>
+              <a:t>4/2/2023</a:t>
             </a:fld>
             <a:endParaRPr lang="en-US"/>
           </a:p>
@@ -3771,7 +3772,7 @@
           <a:p>
             <a:fld id="{3881C039-66A3-4640-815B-3B5A8B7D868D}" type="datetimeFigureOut">
               <a:rPr lang="en-US" smtClean="0"/>
-              <a:t>3/28/2021</a:t>
+              <a:t>4/2/2023</a:t>
             </a:fld>
             <a:endParaRPr lang="en-US"/>
           </a:p>
@@ -4015,7 +4016,7 @@
           <a:p>
             <a:fld id="{3881C039-66A3-4640-815B-3B5A8B7D868D}" type="datetimeFigureOut">
               <a:rPr lang="en-US" smtClean="0"/>
-              <a:t>3/28/2021</a:t>
+              <a:t>4/2/2023</a:t>
             </a:fld>
             <a:endParaRPr lang="en-US"/>
           </a:p>
@@ -4251,7 +4252,7 @@
           <a:p>
             <a:fld id="{3881C039-66A3-4640-815B-3B5A8B7D868D}" type="datetimeFigureOut">
               <a:rPr lang="en-US" smtClean="0"/>
-              <a:t>3/28/2021</a:t>
+              <a:t>4/2/2023</a:t>
             </a:fld>
             <a:endParaRPr lang="en-US"/>
           </a:p>
@@ -4717,7 +4718,7 @@
           <a:p>
             <a:fld id="{3881C039-66A3-4640-815B-3B5A8B7D868D}" type="datetimeFigureOut">
               <a:rPr lang="en-US" smtClean="0"/>
-              <a:t>3/28/2021</a:t>
+              <a:t>4/2/2023</a:t>
             </a:fld>
             <a:endParaRPr lang="en-US"/>
           </a:p>
@@ -4835,7 +4836,7 @@
           <a:p>
             <a:fld id="{3881C039-66A3-4640-815B-3B5A8B7D868D}" type="datetimeFigureOut">
               <a:rPr lang="en-US" smtClean="0"/>
-              <a:t>3/28/2021</a:t>
+              <a:t>4/2/2023</a:t>
             </a:fld>
             <a:endParaRPr lang="en-US"/>
           </a:p>
@@ -4930,7 +4931,7 @@
           <a:p>
             <a:fld id="{3881C039-66A3-4640-815B-3B5A8B7D868D}" type="datetimeFigureOut">
               <a:rPr lang="en-US" smtClean="0"/>
-              <a:t>3/28/2021</a:t>
+              <a:t>4/2/2023</a:t>
             </a:fld>
             <a:endParaRPr lang="en-US"/>
           </a:p>
@@ -5185,7 +5186,7 @@
           <a:p>
             <a:fld id="{3881C039-66A3-4640-815B-3B5A8B7D868D}" type="datetimeFigureOut">
               <a:rPr lang="en-US" smtClean="0"/>
-              <a:t>3/28/2021</a:t>
+              <a:t>4/2/2023</a:t>
             </a:fld>
             <a:endParaRPr lang="en-US"/>
           </a:p>
@@ -5485,7 +5486,7 @@
           <a:p>
             <a:fld id="{3881C039-66A3-4640-815B-3B5A8B7D868D}" type="datetimeFigureOut">
               <a:rPr lang="en-US" smtClean="0"/>
-              <a:t>3/28/2021</a:t>
+              <a:t>4/2/2023</a:t>
             </a:fld>
             <a:endParaRPr lang="en-US"/>
           </a:p>
@@ -5719,7 +5720,7 @@
           <a:p>
             <a:fld id="{3881C039-66A3-4640-815B-3B5A8B7D868D}" type="datetimeFigureOut">
               <a:rPr lang="en-US" smtClean="0"/>
-              <a:t>3/28/2021</a:t>
+              <a:t>4/2/2023</a:t>
             </a:fld>
             <a:endParaRPr lang="en-US"/>
           </a:p>
@@ -6808,7 +6809,7 @@
                 <a:effectLst/>
                 <a:latin typeface="Selawik Semibold" panose="020B0702040204020203" pitchFamily="34" charset="0"/>
               </a:rPr>
-              <a:t>Tom Brady VS Peyton Manning</a:t>
+              <a:t>Tom Brady VS Aaron Rodgers</a:t>
             </a:r>
           </a:p>
         </p:txBody>
@@ -6866,7 +6867,7 @@
                 <a:effectLst/>
                 <a:latin typeface="Selawik Semibold" panose="020B0702040204020203" pitchFamily="34" charset="0"/>
               </a:rPr>
-              <a:t>Comparing Predictions</a:t>
+              <a:t>Comparing Ratings in 2016</a:t>
             </a:r>
           </a:p>
           <a:p>
@@ -7066,45 +7067,93 @@
               <a:buFont typeface="Wingdings" panose="05000000000000000000" pitchFamily="2" charset="2"/>
               <a:buChar char="v"/>
             </a:pPr>
-            <a:r>
-              <a:rPr lang="en-US" sz="2400" dirty="0">
-                <a:solidFill>
-                  <a:schemeClr val="bg2">
-                    <a:lumMod val="10000"/>
-                    <a:lumOff val="90000"/>
-                  </a:schemeClr>
-                </a:solidFill>
-                <a:effectLst/>
-                <a:latin typeface="Selawik Semibold" panose="020B0702040204020203" pitchFamily="34" charset="0"/>
-              </a:rPr>
-              <a:t>Correlation Between Regression and </a:t>
-            </a:r>
-            <a:r>
-              <a:rPr lang="en-US" sz="2400" i="1" dirty="0">
-                <a:solidFill>
-                  <a:schemeClr val="bg2">
-                    <a:lumMod val="10000"/>
-                    <a:lumOff val="90000"/>
-                  </a:schemeClr>
-                </a:solidFill>
-                <a:effectLst/>
-                <a:latin typeface="Selawik Semibold" panose="020B0702040204020203" pitchFamily="34" charset="0"/>
-              </a:rPr>
-              <a:t>Wages of Wins </a:t>
-            </a:r>
-            <a:r>
-              <a:rPr lang="en-US" sz="2400" dirty="0">
-                <a:solidFill>
-                  <a:schemeClr val="bg2">
-                    <a:lumMod val="10000"/>
-                    <a:lumOff val="90000"/>
-                  </a:schemeClr>
-                </a:solidFill>
-                <a:effectLst/>
-                <a:latin typeface="Selawik Semibold" panose="020B0702040204020203" pitchFamily="34" charset="0"/>
-              </a:rPr>
-              <a:t>Ratings is 0.87</a:t>
-            </a:r>
+            <a:endParaRPr lang="en-US" sz="2400" dirty="0">
+              <a:solidFill>
+                <a:schemeClr val="bg2">
+                  <a:lumMod val="10000"/>
+                  <a:lumOff val="90000"/>
+                </a:schemeClr>
+              </a:solidFill>
+              <a:effectLst/>
+              <a:latin typeface="Selawik Semibold" panose="020B0702040204020203" pitchFamily="34" charset="0"/>
+            </a:endParaRPr>
+          </a:p>
+          <a:p>
+            <a:pPr marL="0" indent="0">
+              <a:spcBef>
+                <a:spcPts val="0"/>
+              </a:spcBef>
+              <a:spcAft>
+                <a:spcPts val="0"/>
+              </a:spcAft>
+              <a:buClr>
+                <a:srgbClr val="D34817"/>
+              </a:buClr>
+              <a:buSzPct val="100000"/>
+              <a:buFont typeface="Wingdings" panose="05000000000000000000" pitchFamily="2" charset="2"/>
+              <a:buChar char="v"/>
+            </a:pPr>
+            <a:endParaRPr lang="en-US" sz="2400" dirty="0">
+              <a:solidFill>
+                <a:schemeClr val="bg2">
+                  <a:lumMod val="10000"/>
+                  <a:lumOff val="90000"/>
+                </a:schemeClr>
+              </a:solidFill>
+              <a:effectLst/>
+              <a:latin typeface="Selawik Semibold" panose="020B0702040204020203" pitchFamily="34" charset="0"/>
+            </a:endParaRPr>
+          </a:p>
+          <a:p>
+            <a:pPr marL="0" indent="0">
+              <a:spcBef>
+                <a:spcPts val="0"/>
+              </a:spcBef>
+              <a:spcAft>
+                <a:spcPts val="0"/>
+              </a:spcAft>
+              <a:buClr>
+                <a:srgbClr val="D34817"/>
+              </a:buClr>
+              <a:buSzPct val="100000"/>
+              <a:buFont typeface="Wingdings" panose="05000000000000000000" pitchFamily="2" charset="2"/>
+              <a:buChar char="v"/>
+            </a:pPr>
+            <a:endParaRPr lang="en-US" sz="2400" dirty="0">
+              <a:solidFill>
+                <a:schemeClr val="bg2">
+                  <a:lumMod val="10000"/>
+                  <a:lumOff val="90000"/>
+                </a:schemeClr>
+              </a:solidFill>
+              <a:effectLst/>
+              <a:latin typeface="Selawik Semibold" panose="020B0702040204020203" pitchFamily="34" charset="0"/>
+            </a:endParaRPr>
+          </a:p>
+          <a:p>
+            <a:pPr marL="0" indent="0">
+              <a:spcBef>
+                <a:spcPts val="0"/>
+              </a:spcBef>
+              <a:spcAft>
+                <a:spcPts val="0"/>
+              </a:spcAft>
+              <a:buClr>
+                <a:srgbClr val="D34817"/>
+              </a:buClr>
+              <a:buSzPct val="100000"/>
+              <a:buNone/>
+            </a:pPr>
+            <a:endParaRPr lang="en-US" sz="2400" dirty="0">
+              <a:solidFill>
+                <a:schemeClr val="bg2">
+                  <a:lumMod val="10000"/>
+                  <a:lumOff val="90000"/>
+                </a:schemeClr>
+              </a:solidFill>
+              <a:effectLst/>
+              <a:latin typeface="Selawik Semibold" panose="020B0702040204020203" pitchFamily="34" charset="0"/>
+            </a:endParaRPr>
           </a:p>
         </p:txBody>
       </p:sp>
@@ -7338,10 +7387,10 @@
       </p:pic>
       <p:pic>
         <p:nvPicPr>
-          <p:cNvPr id="2" name="Picture 1">
+          <p:cNvPr id="5" name="Picture 4">
             <a:extLst>
               <a:ext uri="{FF2B5EF4-FFF2-40B4-BE49-F238E27FC236}">
-                <a16:creationId xmlns:a16="http://schemas.microsoft.com/office/drawing/2014/main" id="{9465B70E-F3C1-4C61-897F-4C614967CED3}"/>
+                <a16:creationId xmlns:a16="http://schemas.microsoft.com/office/drawing/2014/main" id="{25FECA2D-1E28-FB69-E7E0-8C6202CC246B}"/>
               </a:ext>
             </a:extLst>
           </p:cNvPr>
@@ -7358,135 +7407,313 @@
         </p:blipFill>
         <p:spPr>
           <a:xfrm>
-            <a:off x="2631311" y="2072274"/>
-            <a:ext cx="7445517" cy="1778155"/>
+            <a:off x="2664632" y="2134768"/>
+            <a:ext cx="5991225" cy="3095625"/>
           </a:xfrm>
           <a:prstGeom prst="rect">
             <a:avLst/>
           </a:prstGeom>
-          <a:ln w="38100">
+          <a:ln w="28575">
             <a:solidFill>
               <a:srgbClr val="D34817"/>
             </a:solidFill>
           </a:ln>
         </p:spPr>
+        <p:style>
+          <a:lnRef idx="2">
+            <a:schemeClr val="accent1"/>
+          </a:lnRef>
+          <a:fillRef idx="1">
+            <a:schemeClr val="lt1"/>
+          </a:fillRef>
+          <a:effectRef idx="0">
+            <a:schemeClr val="accent1"/>
+          </a:effectRef>
+          <a:fontRef idx="minor">
+            <a:schemeClr val="dk1"/>
+          </a:fontRef>
+        </p:style>
       </p:pic>
-      <p:sp>
-        <p:nvSpPr>
-          <p:cNvPr id="15" name="TextBox 14">
+      <p:pic>
+        <p:nvPicPr>
+          <p:cNvPr id="1026" name="Picture 2" descr="Tom Brady gets apology from Tampa mayor over park snafu">
             <a:extLst>
               <a:ext uri="{FF2B5EF4-FFF2-40B4-BE49-F238E27FC236}">
-                <a16:creationId xmlns:a16="http://schemas.microsoft.com/office/drawing/2014/main" id="{D7FE45B6-5020-4F62-A95E-97684FD9E605}"/>
+                <a16:creationId xmlns:a16="http://schemas.microsoft.com/office/drawing/2014/main" id="{BFE6578B-78F1-86B9-8AD5-F676E7FB1D4A}"/>
               </a:ext>
             </a:extLst>
           </p:cNvPr>
-          <p:cNvSpPr txBox="1"/>
+          <p:cNvPicPr>
+            <a:picLocks noChangeAspect="1" noChangeArrowheads="1"/>
+          </p:cNvPicPr>
           <p:nvPr/>
-        </p:nvSpPr>
-        <p:spPr>
-          <a:xfrm>
-            <a:off x="9908846" y="2536745"/>
-            <a:ext cx="1596397" cy="341632"/>
+        </p:nvPicPr>
+        <p:blipFill>
+          <a:blip r:embed="rId8">
+            <a:extLst>
+              <a:ext uri="{28A0092B-C50C-407E-A947-70E740481C1C}">
+                <a14:useLocalDpi xmlns:a14="http://schemas.microsoft.com/office/drawing/2010/main" val="0"/>
+              </a:ext>
+            </a:extLst>
+          </a:blip>
+          <a:srcRect/>
+          <a:stretch>
+            <a:fillRect/>
+          </a:stretch>
+        </p:blipFill>
+        <p:spPr bwMode="auto">
+          <a:xfrm>
+            <a:off x="9707452" y="2134768"/>
+            <a:ext cx="1589602" cy="1059408"/>
           </a:xfrm>
           <a:prstGeom prst="rect">
             <a:avLst/>
           </a:prstGeom>
           <a:noFill/>
-        </p:spPr>
-        <p:txBody>
-          <a:bodyPr wrap="square" rtlCol="0" anchor="ctr">
-            <a:spAutoFit/>
-          </a:bodyPr>
-          <a:lstStyle/>
-          <a:p>
-            <a:pPr marL="0" lvl="2" algn="ctr">
-              <a:lnSpc>
-                <a:spcPct val="90000"/>
-              </a:lnSpc>
-              <a:spcBef>
-                <a:spcPts val="0"/>
-              </a:spcBef>
-              <a:spcAft>
-                <a:spcPts val="0"/>
-              </a:spcAft>
-              <a:buClr>
-                <a:srgbClr val="D34817"/>
-              </a:buClr>
-              <a:buSzPct val="100000"/>
-            </a:pPr>
-            <a:r>
-              <a:rPr lang="en-US" dirty="0">
+          <a:ln w="28575">
+            <a:solidFill>
+              <a:srgbClr val="D34817"/>
+            </a:solidFill>
+          </a:ln>
+          <a:extLst>
+            <a:ext uri="{909E8E84-426E-40DD-AFC4-6F175D3DCCD1}">
+              <a14:hiddenFill xmlns:a14="http://schemas.microsoft.com/office/drawing/2010/main">
                 <a:solidFill>
-                  <a:schemeClr val="bg2">
-                    <a:lumMod val="10000"/>
-                    <a:lumOff val="90000"/>
-                  </a:schemeClr>
+                  <a:srgbClr val="FFFFFF"/>
                 </a:solidFill>
-                <a:latin typeface="Selawik Semibold" panose="020B0702040204020203" pitchFamily="34" charset="0"/>
-              </a:rPr>
-              <a:t>T. Brady</a:t>
-            </a:r>
-          </a:p>
-        </p:txBody>
-      </p:sp>
-      <p:sp>
-        <p:nvSpPr>
-          <p:cNvPr id="16" name="TextBox 15">
+              </a14:hiddenFill>
+            </a:ext>
+          </a:extLst>
+        </p:spPr>
+      </p:pic>
+      <p:pic>
+        <p:nvPicPr>
+          <p:cNvPr id="1028" name="Picture 4" descr="Aaron Rodgers has no interest in TV gig after NFL retirement">
             <a:extLst>
               <a:ext uri="{FF2B5EF4-FFF2-40B4-BE49-F238E27FC236}">
-                <a16:creationId xmlns:a16="http://schemas.microsoft.com/office/drawing/2014/main" id="{3327D3E2-B844-4251-BB75-402BD0B5234C}"/>
+                <a16:creationId xmlns:a16="http://schemas.microsoft.com/office/drawing/2014/main" id="{D1C05B2F-737D-EC86-B324-30254B5F73C7}"/>
               </a:ext>
             </a:extLst>
           </p:cNvPr>
-          <p:cNvSpPr txBox="1"/>
+          <p:cNvPicPr>
+            <a:picLocks noChangeAspect="1" noChangeArrowheads="1"/>
+          </p:cNvPicPr>
           <p:nvPr/>
-        </p:nvSpPr>
-        <p:spPr>
-          <a:xfrm>
-            <a:off x="10010895" y="3543173"/>
-            <a:ext cx="1596397" cy="341632"/>
+        </p:nvPicPr>
+        <p:blipFill>
+          <a:blip r:embed="rId9">
+            <a:extLst>
+              <a:ext uri="{28A0092B-C50C-407E-A947-70E740481C1C}">
+                <a14:useLocalDpi xmlns:a14="http://schemas.microsoft.com/office/drawing/2010/main" val="0"/>
+              </a:ext>
+            </a:extLst>
+          </a:blip>
+          <a:srcRect/>
+          <a:stretch>
+            <a:fillRect/>
+          </a:stretch>
+        </p:blipFill>
+        <p:spPr bwMode="auto">
+          <a:xfrm>
+            <a:off x="9708678" y="3354998"/>
+            <a:ext cx="1588376" cy="1059408"/>
           </a:xfrm>
           <a:prstGeom prst="rect">
             <a:avLst/>
           </a:prstGeom>
           <a:noFill/>
-        </p:spPr>
-        <p:txBody>
-          <a:bodyPr wrap="square" rtlCol="0" anchor="ctr">
-            <a:spAutoFit/>
-          </a:bodyPr>
+          <a:ln w="28575">
+            <a:solidFill>
+              <a:srgbClr val="D34817"/>
+            </a:solidFill>
+          </a:ln>
+          <a:extLst>
+            <a:ext uri="{909E8E84-426E-40DD-AFC4-6F175D3DCCD1}">
+              <a14:hiddenFill xmlns:a14="http://schemas.microsoft.com/office/drawing/2010/main">
+                <a:solidFill>
+                  <a:srgbClr val="FFFFFF"/>
+                </a:solidFill>
+              </a14:hiddenFill>
+            </a:ext>
+          </a:extLst>
+        </p:spPr>
+      </p:pic>
+      <p:sp>
+        <p:nvSpPr>
+          <p:cNvPr id="6" name="Oval 5">
+            <a:extLst>
+              <a:ext uri="{FF2B5EF4-FFF2-40B4-BE49-F238E27FC236}">
+                <a16:creationId xmlns:a16="http://schemas.microsoft.com/office/drawing/2014/main" id="{E09D44E6-5E72-18DF-62E5-211579E7168E}"/>
+              </a:ext>
+            </a:extLst>
+          </p:cNvPr>
+          <p:cNvSpPr/>
+          <p:nvPr/>
+        </p:nvSpPr>
+        <p:spPr>
+          <a:xfrm>
+            <a:off x="5640510" y="2720800"/>
+            <a:ext cx="513116" cy="273076"/>
+          </a:xfrm>
+          <a:prstGeom prst="ellipse">
+            <a:avLst/>
+          </a:prstGeom>
+          <a:noFill/>
+          <a:ln w="38100"/>
+        </p:spPr>
+        <p:style>
+          <a:lnRef idx="2">
+            <a:schemeClr val="accent1">
+              <a:shade val="50000"/>
+            </a:schemeClr>
+          </a:lnRef>
+          <a:fillRef idx="1">
+            <a:schemeClr val="accent1"/>
+          </a:fillRef>
+          <a:effectRef idx="0">
+            <a:schemeClr val="accent1"/>
+          </a:effectRef>
+          <a:fontRef idx="minor">
+            <a:schemeClr val="lt1"/>
+          </a:fontRef>
+        </p:style>
+        <p:txBody>
+          <a:bodyPr rtlCol="0" anchor="ctr"/>
           <a:lstStyle/>
           <a:p>
-            <a:pPr marL="0" lvl="2" algn="ctr">
-              <a:lnSpc>
-                <a:spcPct val="90000"/>
-              </a:lnSpc>
-              <a:spcBef>
-                <a:spcPts val="0"/>
-              </a:spcBef>
-              <a:spcAft>
-                <a:spcPts val="0"/>
-              </a:spcAft>
-              <a:buClr>
-                <a:srgbClr val="D34817"/>
-              </a:buClr>
-              <a:buSzPct val="100000"/>
-            </a:pPr>
-            <a:r>
-              <a:rPr lang="en-US" dirty="0">
-                <a:solidFill>
-                  <a:schemeClr val="bg2">
-                    <a:lumMod val="10000"/>
-                    <a:lumOff val="90000"/>
-                  </a:schemeClr>
-                </a:solidFill>
-                <a:latin typeface="Selawik Semibold" panose="020B0702040204020203" pitchFamily="34" charset="0"/>
-              </a:rPr>
-              <a:t>P. Manning</a:t>
-            </a:r>
-          </a:p>
-        </p:txBody>
-      </p:sp>
+            <a:pPr algn="ctr"/>
+            <a:endParaRPr lang="en-US"/>
+          </a:p>
+        </p:txBody>
+      </p:sp>
+      <p:sp>
+        <p:nvSpPr>
+          <p:cNvPr id="7" name="Oval 6">
+            <a:extLst>
+              <a:ext uri="{FF2B5EF4-FFF2-40B4-BE49-F238E27FC236}">
+                <a16:creationId xmlns:a16="http://schemas.microsoft.com/office/drawing/2014/main" id="{5C8B0E9B-69AE-936A-E993-3D585467C195}"/>
+              </a:ext>
+            </a:extLst>
+          </p:cNvPr>
+          <p:cNvSpPr/>
+          <p:nvPr/>
+        </p:nvSpPr>
+        <p:spPr>
+          <a:xfrm>
+            <a:off x="5615774" y="3283506"/>
+            <a:ext cx="513116" cy="273076"/>
+          </a:xfrm>
+          <a:prstGeom prst="ellipse">
+            <a:avLst/>
+          </a:prstGeom>
+          <a:noFill/>
+          <a:ln w="38100"/>
+        </p:spPr>
+        <p:style>
+          <a:lnRef idx="2">
+            <a:schemeClr val="accent1">
+              <a:shade val="50000"/>
+            </a:schemeClr>
+          </a:lnRef>
+          <a:fillRef idx="1">
+            <a:schemeClr val="accent1"/>
+          </a:fillRef>
+          <a:effectRef idx="0">
+            <a:schemeClr val="accent1"/>
+          </a:effectRef>
+          <a:fontRef idx="minor">
+            <a:schemeClr val="lt1"/>
+          </a:fontRef>
+        </p:style>
+        <p:txBody>
+          <a:bodyPr rtlCol="0" anchor="ctr"/>
+          <a:lstStyle/>
+          <a:p>
+            <a:pPr algn="ctr"/>
+            <a:endParaRPr lang="en-US"/>
+          </a:p>
+        </p:txBody>
+      </p:sp>
+      <p:cxnSp>
+        <p:nvCxnSpPr>
+          <p:cNvPr id="9" name="Straight Arrow Connector 8">
+            <a:extLst>
+              <a:ext uri="{FF2B5EF4-FFF2-40B4-BE49-F238E27FC236}">
+                <a16:creationId xmlns:a16="http://schemas.microsoft.com/office/drawing/2014/main" id="{C5A4A511-7B41-4F66-3C13-005600CC1ED3}"/>
+              </a:ext>
+            </a:extLst>
+          </p:cNvPr>
+          <p:cNvCxnSpPr/>
+          <p:nvPr/>
+        </p:nvCxnSpPr>
+        <p:spPr>
+          <a:xfrm flipV="1">
+            <a:off x="6153626" y="2401122"/>
+            <a:ext cx="3411393" cy="456216"/>
+          </a:xfrm>
+          <a:prstGeom prst="straightConnector1">
+            <a:avLst/>
+          </a:prstGeom>
+          <a:ln w="19050">
+            <a:tailEnd type="triangle"/>
+          </a:ln>
+        </p:spPr>
+        <p:style>
+          <a:lnRef idx="1">
+            <a:schemeClr val="accent1"/>
+          </a:lnRef>
+          <a:fillRef idx="0">
+            <a:schemeClr val="accent1"/>
+          </a:fillRef>
+          <a:effectRef idx="0">
+            <a:schemeClr val="accent1"/>
+          </a:effectRef>
+          <a:fontRef idx="minor">
+            <a:schemeClr val="tx1"/>
+          </a:fontRef>
+        </p:style>
+      </p:cxnSp>
+      <p:cxnSp>
+        <p:nvCxnSpPr>
+          <p:cNvPr id="10" name="Straight Arrow Connector 9">
+            <a:extLst>
+              <a:ext uri="{FF2B5EF4-FFF2-40B4-BE49-F238E27FC236}">
+                <a16:creationId xmlns:a16="http://schemas.microsoft.com/office/drawing/2014/main" id="{201DA4E8-2C30-8118-2990-634DE58273A1}"/>
+              </a:ext>
+            </a:extLst>
+          </p:cNvPr>
+          <p:cNvCxnSpPr>
+            <a:cxnSpLocks/>
+          </p:cNvCxnSpPr>
+          <p:nvPr/>
+        </p:nvCxnSpPr>
+        <p:spPr>
+          <a:xfrm>
+            <a:off x="6138583" y="3416029"/>
+            <a:ext cx="3482072" cy="421990"/>
+          </a:xfrm>
+          <a:prstGeom prst="straightConnector1">
+            <a:avLst/>
+          </a:prstGeom>
+          <a:ln w="19050">
+            <a:tailEnd type="triangle"/>
+          </a:ln>
+        </p:spPr>
+        <p:style>
+          <a:lnRef idx="1">
+            <a:schemeClr val="accent1"/>
+          </a:lnRef>
+          <a:fillRef idx="0">
+            <a:schemeClr val="accent1"/>
+          </a:fillRef>
+          <a:effectRef idx="0">
+            <a:schemeClr val="accent1"/>
+          </a:effectRef>
+          <a:fontRef idx="minor">
+            <a:schemeClr val="tx1"/>
+          </a:fontRef>
+        </p:style>
+      </p:cxnSp>
     </p:spTree>
     <p:extLst>
       <p:ext uri="{BB962C8B-B14F-4D97-AF65-F5344CB8AC3E}">
@@ -7501,6 +7728,1180 @@
 </file>
 
 <file path=ppt/slides/slide11.xml><?xml version="1.0" encoding="utf-8"?>
+<p:sld xmlns:a="http://schemas.openxmlformats.org/drawingml/2006/main" xmlns:r="http://schemas.openxmlformats.org/officeDocument/2006/relationships" xmlns:p="http://schemas.openxmlformats.org/presentationml/2006/main">
+  <p:cSld>
+    <p:bg>
+      <p:bgPr>
+        <a:blipFill rotWithShape="1">
+          <a:blip r:embed="rId2">
+            <a:duotone>
+              <a:schemeClr val="bg2">
+                <a:shade val="80000"/>
+                <a:lumMod val="80000"/>
+              </a:schemeClr>
+              <a:schemeClr val="bg2">
+                <a:tint val="98000"/>
+              </a:schemeClr>
+            </a:duotone>
+          </a:blip>
+          <a:stretch/>
+        </a:blipFill>
+        <a:effectLst/>
+      </p:bgPr>
+    </p:bg>
+    <p:spTree>
+      <p:nvGrpSpPr>
+        <p:cNvPr id="1" name=""/>
+        <p:cNvGrpSpPr/>
+        <p:nvPr/>
+      </p:nvGrpSpPr>
+      <p:grpSpPr>
+        <a:xfrm>
+          <a:off x="0" y="0"/>
+          <a:ext cx="0" cy="0"/>
+          <a:chOff x="0" y="0"/>
+          <a:chExt cx="0" cy="0"/>
+        </a:xfrm>
+      </p:grpSpPr>
+      <p:pic>
+        <p:nvPicPr>
+          <p:cNvPr id="21" name="Picture 20" descr="A picture containing clothing, person, headdress, baseball&#10;&#10;Description automatically generated">
+            <a:extLst>
+              <a:ext uri="{FF2B5EF4-FFF2-40B4-BE49-F238E27FC236}">
+                <a16:creationId xmlns:a16="http://schemas.microsoft.com/office/drawing/2014/main" id="{68BA132B-EA3B-4DFB-BEF2-04F4ACB3B027}"/>
+              </a:ext>
+            </a:extLst>
+          </p:cNvPr>
+          <p:cNvPicPr>
+            <a:picLocks noChangeAspect="1"/>
+          </p:cNvPicPr>
+          <p:nvPr/>
+        </p:nvPicPr>
+        <p:blipFill rotWithShape="1">
+          <a:blip r:embed="rId3">
+            <a:extLst>
+              <a:ext uri="{BEBA8EAE-BF5A-486C-A8C5-ECC9F3942E4B}">
+                <a14:imgProps xmlns:a14="http://schemas.microsoft.com/office/drawing/2010/main">
+                  <a14:imgLayer r:embed="rId4">
+                    <a14:imgEffect>
+                      <a14:colorTemperature colorTemp="11151"/>
+                    </a14:imgEffect>
+                    <a14:imgEffect>
+                      <a14:saturation sat="0"/>
+                    </a14:imgEffect>
+                  </a14:imgLayer>
+                </a14:imgProps>
+              </a:ext>
+              <a:ext uri="{28A0092B-C50C-407E-A947-70E740481C1C}">
+                <a14:useLocalDpi xmlns:a14="http://schemas.microsoft.com/office/drawing/2010/main" val="0"/>
+              </a:ext>
+            </a:extLst>
+          </a:blip>
+          <a:srcRect r="3" b="7624"/>
+          <a:stretch/>
+        </p:blipFill>
+        <p:spPr>
+          <a:xfrm>
+            <a:off x="-1051136" y="3119615"/>
+            <a:ext cx="4065464" cy="3258005"/>
+          </a:xfrm>
+          <a:prstGeom prst="rect">
+            <a:avLst/>
+          </a:prstGeom>
+        </p:spPr>
+      </p:pic>
+      <p:sp>
+        <p:nvSpPr>
+          <p:cNvPr id="41" name="Rectangle 40">
+            <a:extLst>
+              <a:ext uri="{FF2B5EF4-FFF2-40B4-BE49-F238E27FC236}">
+                <a16:creationId xmlns:a16="http://schemas.microsoft.com/office/drawing/2014/main" id="{7BDB8227-827C-484D-95AA-05C24716BEB4}"/>
+              </a:ext>
+            </a:extLst>
+          </p:cNvPr>
+          <p:cNvSpPr/>
+          <p:nvPr/>
+        </p:nvSpPr>
+        <p:spPr>
+          <a:xfrm>
+            <a:off x="1911020" y="528506"/>
+            <a:ext cx="6928179" cy="813912"/>
+          </a:xfrm>
+          <a:prstGeom prst="rect">
+            <a:avLst/>
+          </a:prstGeom>
+          <a:solidFill>
+            <a:srgbClr val="D34817"/>
+          </a:solidFill>
+        </p:spPr>
+        <p:style>
+          <a:lnRef idx="2">
+            <a:schemeClr val="accent1">
+              <a:shade val="50000"/>
+            </a:schemeClr>
+          </a:lnRef>
+          <a:fillRef idx="1">
+            <a:schemeClr val="accent1"/>
+          </a:fillRef>
+          <a:effectRef idx="0">
+            <a:schemeClr val="accent1"/>
+          </a:effectRef>
+          <a:fontRef idx="minor">
+            <a:schemeClr val="lt1"/>
+          </a:fontRef>
+        </p:style>
+        <p:txBody>
+          <a:bodyPr rtlCol="0" anchor="ctr"/>
+          <a:lstStyle/>
+          <a:p>
+            <a:pPr algn="ctr"/>
+            <a:endParaRPr lang="en-US">
+              <a:solidFill>
+                <a:srgbClr val="A6A1A1"/>
+              </a:solidFill>
+            </a:endParaRPr>
+          </a:p>
+        </p:txBody>
+      </p:sp>
+      <p:sp>
+        <p:nvSpPr>
+          <p:cNvPr id="4" name="Title 3">
+            <a:extLst>
+              <a:ext uri="{FF2B5EF4-FFF2-40B4-BE49-F238E27FC236}">
+                <a16:creationId xmlns:a16="http://schemas.microsoft.com/office/drawing/2014/main" id="{4A6C2FBC-B0EB-45C1-9469-C4F6741ECB31}"/>
+              </a:ext>
+            </a:extLst>
+          </p:cNvPr>
+          <p:cNvSpPr>
+            <a:spLocks noGrp="1"/>
+          </p:cNvSpPr>
+          <p:nvPr>
+            <p:ph type="title"/>
+          </p:nvPr>
+        </p:nvSpPr>
+        <p:spPr>
+          <a:xfrm>
+            <a:off x="1911020" y="428653"/>
+            <a:ext cx="6928179" cy="970450"/>
+          </a:xfrm>
+          <a:effectLst>
+            <a:outerShdw blurRad="25400" dir="17880000">
+              <a:srgbClr val="000000">
+                <a:alpha val="70000"/>
+              </a:srgbClr>
+            </a:outerShdw>
+          </a:effectLst>
+        </p:spPr>
+        <p:txBody>
+          <a:bodyPr>
+            <a:normAutofit/>
+          </a:bodyPr>
+          <a:lstStyle/>
+          <a:p>
+            <a:pPr algn="l"/>
+            <a:r>
+              <a:rPr lang="en-US" sz="3600" dirty="0">
+                <a:ln>
+                  <a:noFill/>
+                </a:ln>
+                <a:solidFill>
+                  <a:schemeClr val="bg2">
+                    <a:lumMod val="10000"/>
+                    <a:lumOff val="90000"/>
+                  </a:schemeClr>
+                </a:solidFill>
+                <a:effectLst/>
+                <a:latin typeface="Selawik Semibold" panose="020B0702040204020203" pitchFamily="34" charset="0"/>
+              </a:rPr>
+              <a:t>Tom Brady VS Aaron Rodgers</a:t>
+            </a:r>
+          </a:p>
+        </p:txBody>
+      </p:sp>
+      <p:sp>
+        <p:nvSpPr>
+          <p:cNvPr id="24" name="Content Placeholder 2">
+            <a:extLst>
+              <a:ext uri="{FF2B5EF4-FFF2-40B4-BE49-F238E27FC236}">
+                <a16:creationId xmlns:a16="http://schemas.microsoft.com/office/drawing/2014/main" id="{52313B83-B214-43D7-AC39-182CE4FA3E53}"/>
+              </a:ext>
+            </a:extLst>
+          </p:cNvPr>
+          <p:cNvSpPr>
+            <a:spLocks noGrp="1"/>
+          </p:cNvSpPr>
+          <p:nvPr>
+            <p:ph idx="1"/>
+          </p:nvPr>
+        </p:nvSpPr>
+        <p:spPr>
+          <a:xfrm>
+            <a:off x="2283155" y="1490925"/>
+            <a:ext cx="6928180" cy="4838569"/>
+          </a:xfrm>
+        </p:spPr>
+        <p:txBody>
+          <a:bodyPr numCol="1" anchor="t">
+            <a:noAutofit/>
+          </a:bodyPr>
+          <a:lstStyle/>
+          <a:p>
+            <a:pPr marL="0" indent="0">
+              <a:spcBef>
+                <a:spcPts val="0"/>
+              </a:spcBef>
+              <a:spcAft>
+                <a:spcPts val="0"/>
+              </a:spcAft>
+              <a:buClr>
+                <a:srgbClr val="D34817"/>
+              </a:buClr>
+              <a:buSzPct val="100000"/>
+              <a:buFont typeface="Wingdings" panose="05000000000000000000" pitchFamily="2" charset="2"/>
+              <a:buChar char="v"/>
+            </a:pPr>
+            <a:r>
+              <a:rPr lang="en-US" sz="2400" dirty="0">
+                <a:solidFill>
+                  <a:schemeClr val="bg2">
+                    <a:lumMod val="10000"/>
+                    <a:lumOff val="90000"/>
+                  </a:schemeClr>
+                </a:solidFill>
+                <a:effectLst/>
+                <a:latin typeface="Selawik Semibold" panose="020B0702040204020203" pitchFamily="34" charset="0"/>
+              </a:rPr>
+              <a:t>Correlation Between Ratings</a:t>
+            </a:r>
+          </a:p>
+          <a:p>
+            <a:pPr marL="377100" lvl="1" indent="0">
+              <a:spcBef>
+                <a:spcPts val="0"/>
+              </a:spcBef>
+              <a:spcAft>
+                <a:spcPts val="0"/>
+              </a:spcAft>
+              <a:buClr>
+                <a:srgbClr val="D34817"/>
+              </a:buClr>
+              <a:buSzPct val="100000"/>
+              <a:buFont typeface="Wingdings" panose="05000000000000000000" pitchFamily="2" charset="2"/>
+              <a:buChar char="v"/>
+            </a:pPr>
+            <a:r>
+              <a:rPr lang="en-US" sz="2200" dirty="0">
+                <a:solidFill>
+                  <a:schemeClr val="bg2">
+                    <a:lumMod val="10000"/>
+                    <a:lumOff val="90000"/>
+                  </a:schemeClr>
+                </a:solidFill>
+                <a:effectLst/>
+                <a:latin typeface="Selawik Semibold" panose="020B0702040204020203" pitchFamily="34" charset="0"/>
+              </a:rPr>
+              <a:t>Book with QBR (0.9)</a:t>
+            </a:r>
+          </a:p>
+          <a:p>
+            <a:pPr marL="377100" lvl="1" indent="0">
+              <a:spcBef>
+                <a:spcPts val="0"/>
+              </a:spcBef>
+              <a:spcAft>
+                <a:spcPts val="0"/>
+              </a:spcAft>
+              <a:buClr>
+                <a:srgbClr val="D34817"/>
+              </a:buClr>
+              <a:buSzPct val="100000"/>
+              <a:buFont typeface="Wingdings" panose="05000000000000000000" pitchFamily="2" charset="2"/>
+              <a:buChar char="v"/>
+            </a:pPr>
+            <a:r>
+              <a:rPr lang="en-US" sz="2200" dirty="0">
+                <a:solidFill>
+                  <a:schemeClr val="bg2">
+                    <a:lumMod val="10000"/>
+                    <a:lumOff val="90000"/>
+                  </a:schemeClr>
+                </a:solidFill>
+                <a:effectLst/>
+                <a:latin typeface="Selawik Semibold" panose="020B0702040204020203" pitchFamily="34" charset="0"/>
+              </a:rPr>
+              <a:t>Book with Total QBR (0.82)</a:t>
+            </a:r>
+          </a:p>
+          <a:p>
+            <a:pPr marL="377100" lvl="1" indent="0">
+              <a:spcBef>
+                <a:spcPts val="0"/>
+              </a:spcBef>
+              <a:spcAft>
+                <a:spcPts val="0"/>
+              </a:spcAft>
+              <a:buClr>
+                <a:srgbClr val="D34817"/>
+              </a:buClr>
+              <a:buSzPct val="100000"/>
+              <a:buFont typeface="Wingdings" panose="05000000000000000000" pitchFamily="2" charset="2"/>
+              <a:buChar char="v"/>
+            </a:pPr>
+            <a:endParaRPr lang="en-US" sz="2200" dirty="0">
+              <a:solidFill>
+                <a:schemeClr val="bg2">
+                  <a:lumMod val="10000"/>
+                  <a:lumOff val="90000"/>
+                </a:schemeClr>
+              </a:solidFill>
+              <a:effectLst/>
+              <a:latin typeface="Selawik Semibold" panose="020B0702040204020203" pitchFamily="34" charset="0"/>
+            </a:endParaRPr>
+          </a:p>
+          <a:p>
+            <a:pPr marL="0" indent="0">
+              <a:spcBef>
+                <a:spcPts val="0"/>
+              </a:spcBef>
+              <a:spcAft>
+                <a:spcPts val="0"/>
+              </a:spcAft>
+              <a:buClr>
+                <a:srgbClr val="D34817"/>
+              </a:buClr>
+              <a:buSzPct val="100000"/>
+              <a:buFont typeface="Wingdings" panose="05000000000000000000" pitchFamily="2" charset="2"/>
+              <a:buChar char="v"/>
+            </a:pPr>
+            <a:r>
+              <a:rPr lang="en-US" sz="2400" dirty="0">
+                <a:solidFill>
+                  <a:schemeClr val="bg2">
+                    <a:lumMod val="10000"/>
+                    <a:lumOff val="90000"/>
+                  </a:schemeClr>
+                </a:solidFill>
+                <a:effectLst/>
+                <a:latin typeface="Selawik Semibold" panose="020B0702040204020203" pitchFamily="34" charset="0"/>
+              </a:rPr>
+              <a:t>Further Adjustment Needed to Measure the Quality of the Quarterback?</a:t>
+            </a:r>
+          </a:p>
+          <a:p>
+            <a:pPr marL="0" indent="0">
+              <a:spcBef>
+                <a:spcPts val="0"/>
+              </a:spcBef>
+              <a:spcAft>
+                <a:spcPts val="0"/>
+              </a:spcAft>
+              <a:buClr>
+                <a:srgbClr val="D34817"/>
+              </a:buClr>
+              <a:buSzPct val="100000"/>
+              <a:buFont typeface="Wingdings" panose="05000000000000000000" pitchFamily="2" charset="2"/>
+              <a:buChar char="v"/>
+            </a:pPr>
+            <a:endParaRPr lang="en-US" sz="2400" dirty="0">
+              <a:solidFill>
+                <a:schemeClr val="bg2">
+                  <a:lumMod val="10000"/>
+                  <a:lumOff val="90000"/>
+                </a:schemeClr>
+              </a:solidFill>
+              <a:effectLst/>
+              <a:latin typeface="Selawik Semibold" panose="020B0702040204020203" pitchFamily="34" charset="0"/>
+            </a:endParaRPr>
+          </a:p>
+          <a:p>
+            <a:pPr marL="0" indent="0">
+              <a:spcBef>
+                <a:spcPts val="0"/>
+              </a:spcBef>
+              <a:spcAft>
+                <a:spcPts val="0"/>
+              </a:spcAft>
+              <a:buClr>
+                <a:srgbClr val="D34817"/>
+              </a:buClr>
+              <a:buSzPct val="100000"/>
+              <a:buFont typeface="Wingdings" panose="05000000000000000000" pitchFamily="2" charset="2"/>
+              <a:buChar char="v"/>
+            </a:pPr>
+            <a:r>
+              <a:rPr lang="en-US" sz="2400" dirty="0">
+                <a:solidFill>
+                  <a:schemeClr val="bg2">
+                    <a:lumMod val="10000"/>
+                    <a:lumOff val="90000"/>
+                  </a:schemeClr>
+                </a:solidFill>
+                <a:effectLst/>
+                <a:latin typeface="Selawik Semibold" panose="020B0702040204020203" pitchFamily="34" charset="0"/>
+              </a:rPr>
+              <a:t>Book Points Out the Difficulty in Understanding How the Offensive Line Contributes to the </a:t>
+            </a:r>
+            <a:r>
+              <a:rPr lang="en-US" sz="2400">
+                <a:solidFill>
+                  <a:schemeClr val="bg2">
+                    <a:lumMod val="10000"/>
+                    <a:lumOff val="90000"/>
+                  </a:schemeClr>
+                </a:solidFill>
+                <a:effectLst/>
+                <a:latin typeface="Selawik Semibold" panose="020B0702040204020203" pitchFamily="34" charset="0"/>
+              </a:rPr>
+              <a:t>QB’s Success</a:t>
+            </a:r>
+            <a:endParaRPr lang="en-US" sz="2400" dirty="0">
+              <a:solidFill>
+                <a:schemeClr val="bg2">
+                  <a:lumMod val="10000"/>
+                  <a:lumOff val="90000"/>
+                </a:schemeClr>
+              </a:solidFill>
+              <a:effectLst/>
+              <a:latin typeface="Selawik Semibold" panose="020B0702040204020203" pitchFamily="34" charset="0"/>
+            </a:endParaRPr>
+          </a:p>
+          <a:p>
+            <a:pPr marL="0" indent="0">
+              <a:spcBef>
+                <a:spcPts val="0"/>
+              </a:spcBef>
+              <a:spcAft>
+                <a:spcPts val="0"/>
+              </a:spcAft>
+              <a:buClr>
+                <a:srgbClr val="D34817"/>
+              </a:buClr>
+              <a:buSzPct val="100000"/>
+              <a:buFont typeface="Wingdings" panose="05000000000000000000" pitchFamily="2" charset="2"/>
+              <a:buChar char="v"/>
+            </a:pPr>
+            <a:endParaRPr lang="en-US" sz="2400" dirty="0">
+              <a:solidFill>
+                <a:schemeClr val="bg2">
+                  <a:lumMod val="10000"/>
+                  <a:lumOff val="90000"/>
+                </a:schemeClr>
+              </a:solidFill>
+              <a:effectLst/>
+              <a:latin typeface="Selawik Semibold" panose="020B0702040204020203" pitchFamily="34" charset="0"/>
+            </a:endParaRPr>
+          </a:p>
+          <a:p>
+            <a:pPr marL="0" indent="0">
+              <a:spcBef>
+                <a:spcPts val="0"/>
+              </a:spcBef>
+              <a:spcAft>
+                <a:spcPts val="0"/>
+              </a:spcAft>
+              <a:buClr>
+                <a:srgbClr val="D34817"/>
+              </a:buClr>
+              <a:buSzPct val="100000"/>
+              <a:buFont typeface="Wingdings" panose="05000000000000000000" pitchFamily="2" charset="2"/>
+              <a:buChar char="v"/>
+            </a:pPr>
+            <a:endParaRPr lang="en-US" sz="2400" dirty="0">
+              <a:solidFill>
+                <a:schemeClr val="bg2">
+                  <a:lumMod val="10000"/>
+                  <a:lumOff val="90000"/>
+                </a:schemeClr>
+              </a:solidFill>
+              <a:effectLst/>
+              <a:latin typeface="Selawik Semibold" panose="020B0702040204020203" pitchFamily="34" charset="0"/>
+            </a:endParaRPr>
+          </a:p>
+          <a:p>
+            <a:pPr marL="377100" lvl="1" indent="0">
+              <a:spcBef>
+                <a:spcPts val="0"/>
+              </a:spcBef>
+              <a:spcAft>
+                <a:spcPts val="0"/>
+              </a:spcAft>
+              <a:buClr>
+                <a:srgbClr val="D34817"/>
+              </a:buClr>
+              <a:buSzPct val="100000"/>
+              <a:buFont typeface="Wingdings" panose="05000000000000000000" pitchFamily="2" charset="2"/>
+              <a:buChar char="v"/>
+            </a:pPr>
+            <a:endParaRPr lang="en-US" sz="2200" dirty="0">
+              <a:solidFill>
+                <a:schemeClr val="bg2">
+                  <a:lumMod val="10000"/>
+                  <a:lumOff val="90000"/>
+                </a:schemeClr>
+              </a:solidFill>
+              <a:effectLst/>
+              <a:latin typeface="Selawik Semibold" panose="020B0702040204020203" pitchFamily="34" charset="0"/>
+            </a:endParaRPr>
+          </a:p>
+          <a:p>
+            <a:pPr marL="377100" lvl="1" indent="0">
+              <a:spcBef>
+                <a:spcPts val="0"/>
+              </a:spcBef>
+              <a:spcAft>
+                <a:spcPts val="0"/>
+              </a:spcAft>
+              <a:buClr>
+                <a:srgbClr val="D34817"/>
+              </a:buClr>
+              <a:buSzPct val="100000"/>
+              <a:buFont typeface="Wingdings" panose="05000000000000000000" pitchFamily="2" charset="2"/>
+              <a:buChar char="v"/>
+            </a:pPr>
+            <a:endParaRPr lang="en-US" sz="2200" dirty="0">
+              <a:solidFill>
+                <a:schemeClr val="bg2">
+                  <a:lumMod val="10000"/>
+                  <a:lumOff val="90000"/>
+                </a:schemeClr>
+              </a:solidFill>
+              <a:effectLst/>
+              <a:latin typeface="Selawik Semibold" panose="020B0702040204020203" pitchFamily="34" charset="0"/>
+            </a:endParaRPr>
+          </a:p>
+          <a:p>
+            <a:pPr marL="0" indent="0">
+              <a:spcBef>
+                <a:spcPts val="0"/>
+              </a:spcBef>
+              <a:spcAft>
+                <a:spcPts val="0"/>
+              </a:spcAft>
+              <a:buClr>
+                <a:srgbClr val="D34817"/>
+              </a:buClr>
+              <a:buSzPct val="100000"/>
+              <a:buFont typeface="Wingdings" panose="05000000000000000000" pitchFamily="2" charset="2"/>
+              <a:buChar char="v"/>
+            </a:pPr>
+            <a:endParaRPr lang="en-US" sz="2400" dirty="0">
+              <a:solidFill>
+                <a:schemeClr val="bg2">
+                  <a:lumMod val="10000"/>
+                  <a:lumOff val="90000"/>
+                </a:schemeClr>
+              </a:solidFill>
+              <a:effectLst/>
+              <a:latin typeface="Selawik Semibold" panose="020B0702040204020203" pitchFamily="34" charset="0"/>
+            </a:endParaRPr>
+          </a:p>
+          <a:p>
+            <a:pPr marL="0" indent="0">
+              <a:spcBef>
+                <a:spcPts val="0"/>
+              </a:spcBef>
+              <a:spcAft>
+                <a:spcPts val="0"/>
+              </a:spcAft>
+              <a:buClr>
+                <a:srgbClr val="D34817"/>
+              </a:buClr>
+              <a:buSzPct val="100000"/>
+              <a:buFont typeface="Wingdings" panose="05000000000000000000" pitchFamily="2" charset="2"/>
+              <a:buChar char="v"/>
+            </a:pPr>
+            <a:endParaRPr lang="en-US" sz="2400" dirty="0">
+              <a:solidFill>
+                <a:schemeClr val="bg2">
+                  <a:lumMod val="10000"/>
+                  <a:lumOff val="90000"/>
+                </a:schemeClr>
+              </a:solidFill>
+              <a:effectLst/>
+              <a:latin typeface="Selawik Semibold" panose="020B0702040204020203" pitchFamily="34" charset="0"/>
+            </a:endParaRPr>
+          </a:p>
+          <a:p>
+            <a:pPr marL="0" indent="0">
+              <a:spcBef>
+                <a:spcPts val="0"/>
+              </a:spcBef>
+              <a:spcAft>
+                <a:spcPts val="0"/>
+              </a:spcAft>
+              <a:buClr>
+                <a:srgbClr val="D34817"/>
+              </a:buClr>
+              <a:buSzPct val="100000"/>
+              <a:buFont typeface="Wingdings" panose="05000000000000000000" pitchFamily="2" charset="2"/>
+              <a:buChar char="v"/>
+            </a:pPr>
+            <a:endParaRPr lang="en-US" sz="2400" dirty="0">
+              <a:solidFill>
+                <a:schemeClr val="bg2">
+                  <a:lumMod val="10000"/>
+                  <a:lumOff val="90000"/>
+                </a:schemeClr>
+              </a:solidFill>
+              <a:effectLst/>
+              <a:latin typeface="Selawik Semibold" panose="020B0702040204020203" pitchFamily="34" charset="0"/>
+            </a:endParaRPr>
+          </a:p>
+          <a:p>
+            <a:pPr marL="0" indent="0">
+              <a:spcBef>
+                <a:spcPts val="0"/>
+              </a:spcBef>
+              <a:spcAft>
+                <a:spcPts val="0"/>
+              </a:spcAft>
+              <a:buClr>
+                <a:srgbClr val="D34817"/>
+              </a:buClr>
+              <a:buSzPct val="100000"/>
+              <a:buFont typeface="Wingdings" panose="05000000000000000000" pitchFamily="2" charset="2"/>
+              <a:buChar char="v"/>
+            </a:pPr>
+            <a:endParaRPr lang="en-US" sz="2400" dirty="0">
+              <a:solidFill>
+                <a:schemeClr val="bg2">
+                  <a:lumMod val="10000"/>
+                  <a:lumOff val="90000"/>
+                </a:schemeClr>
+              </a:solidFill>
+              <a:effectLst/>
+              <a:latin typeface="Selawik Semibold" panose="020B0702040204020203" pitchFamily="34" charset="0"/>
+            </a:endParaRPr>
+          </a:p>
+          <a:p>
+            <a:pPr marL="0" indent="0">
+              <a:spcBef>
+                <a:spcPts val="0"/>
+              </a:spcBef>
+              <a:spcAft>
+                <a:spcPts val="0"/>
+              </a:spcAft>
+              <a:buClr>
+                <a:srgbClr val="D34817"/>
+              </a:buClr>
+              <a:buSzPct val="100000"/>
+              <a:buFont typeface="Wingdings" panose="05000000000000000000" pitchFamily="2" charset="2"/>
+              <a:buChar char="v"/>
+            </a:pPr>
+            <a:endParaRPr lang="en-US" sz="2400" dirty="0">
+              <a:solidFill>
+                <a:schemeClr val="bg2">
+                  <a:lumMod val="10000"/>
+                  <a:lumOff val="90000"/>
+                </a:schemeClr>
+              </a:solidFill>
+              <a:effectLst/>
+              <a:latin typeface="Selawik Semibold" panose="020B0702040204020203" pitchFamily="34" charset="0"/>
+            </a:endParaRPr>
+          </a:p>
+          <a:p>
+            <a:pPr marL="0" indent="0">
+              <a:spcBef>
+                <a:spcPts val="0"/>
+              </a:spcBef>
+              <a:spcAft>
+                <a:spcPts val="0"/>
+              </a:spcAft>
+              <a:buClr>
+                <a:srgbClr val="D34817"/>
+              </a:buClr>
+              <a:buSzPct val="100000"/>
+              <a:buFont typeface="Wingdings" panose="05000000000000000000" pitchFamily="2" charset="2"/>
+              <a:buChar char="v"/>
+            </a:pPr>
+            <a:endParaRPr lang="en-US" sz="2400" dirty="0">
+              <a:solidFill>
+                <a:schemeClr val="bg2">
+                  <a:lumMod val="10000"/>
+                  <a:lumOff val="90000"/>
+                </a:schemeClr>
+              </a:solidFill>
+              <a:effectLst/>
+              <a:latin typeface="Selawik Semibold" panose="020B0702040204020203" pitchFamily="34" charset="0"/>
+            </a:endParaRPr>
+          </a:p>
+          <a:p>
+            <a:pPr marL="0" indent="0">
+              <a:spcBef>
+                <a:spcPts val="0"/>
+              </a:spcBef>
+              <a:spcAft>
+                <a:spcPts val="0"/>
+              </a:spcAft>
+              <a:buClr>
+                <a:srgbClr val="D34817"/>
+              </a:buClr>
+              <a:buSzPct val="100000"/>
+              <a:buFont typeface="Wingdings" panose="05000000000000000000" pitchFamily="2" charset="2"/>
+              <a:buChar char="v"/>
+            </a:pPr>
+            <a:endParaRPr lang="en-US" sz="2400" dirty="0">
+              <a:solidFill>
+                <a:schemeClr val="bg2">
+                  <a:lumMod val="10000"/>
+                  <a:lumOff val="90000"/>
+                </a:schemeClr>
+              </a:solidFill>
+              <a:effectLst/>
+              <a:latin typeface="Selawik Semibold" panose="020B0702040204020203" pitchFamily="34" charset="0"/>
+            </a:endParaRPr>
+          </a:p>
+          <a:p>
+            <a:pPr marL="0" indent="0">
+              <a:spcBef>
+                <a:spcPts val="0"/>
+              </a:spcBef>
+              <a:spcAft>
+                <a:spcPts val="0"/>
+              </a:spcAft>
+              <a:buClr>
+                <a:srgbClr val="D34817"/>
+              </a:buClr>
+              <a:buSzPct val="100000"/>
+              <a:buFont typeface="Wingdings" panose="05000000000000000000" pitchFamily="2" charset="2"/>
+              <a:buChar char="v"/>
+            </a:pPr>
+            <a:endParaRPr lang="en-US" sz="2400" dirty="0">
+              <a:solidFill>
+                <a:schemeClr val="bg2">
+                  <a:lumMod val="10000"/>
+                  <a:lumOff val="90000"/>
+                </a:schemeClr>
+              </a:solidFill>
+              <a:effectLst/>
+              <a:latin typeface="Selawik Semibold" panose="020B0702040204020203" pitchFamily="34" charset="0"/>
+            </a:endParaRPr>
+          </a:p>
+          <a:p>
+            <a:pPr marL="0" indent="0">
+              <a:spcBef>
+                <a:spcPts val="0"/>
+              </a:spcBef>
+              <a:spcAft>
+                <a:spcPts val="0"/>
+              </a:spcAft>
+              <a:buClr>
+                <a:srgbClr val="D34817"/>
+              </a:buClr>
+              <a:buSzPct val="100000"/>
+              <a:buFont typeface="Wingdings" panose="05000000000000000000" pitchFamily="2" charset="2"/>
+              <a:buChar char="v"/>
+            </a:pPr>
+            <a:endParaRPr lang="en-US" sz="2400" dirty="0">
+              <a:solidFill>
+                <a:schemeClr val="bg2">
+                  <a:lumMod val="10000"/>
+                  <a:lumOff val="90000"/>
+                </a:schemeClr>
+              </a:solidFill>
+              <a:effectLst/>
+              <a:latin typeface="Selawik Semibold" panose="020B0702040204020203" pitchFamily="34" charset="0"/>
+            </a:endParaRPr>
+          </a:p>
+          <a:p>
+            <a:pPr marL="0" indent="0">
+              <a:spcBef>
+                <a:spcPts val="0"/>
+              </a:spcBef>
+              <a:spcAft>
+                <a:spcPts val="0"/>
+              </a:spcAft>
+              <a:buClr>
+                <a:srgbClr val="D34817"/>
+              </a:buClr>
+              <a:buSzPct val="100000"/>
+              <a:buFont typeface="Wingdings" panose="05000000000000000000" pitchFamily="2" charset="2"/>
+              <a:buChar char="v"/>
+            </a:pPr>
+            <a:endParaRPr lang="en-US" sz="2400" dirty="0">
+              <a:solidFill>
+                <a:schemeClr val="bg2">
+                  <a:lumMod val="10000"/>
+                  <a:lumOff val="90000"/>
+                </a:schemeClr>
+              </a:solidFill>
+              <a:effectLst/>
+              <a:latin typeface="Selawik Semibold" panose="020B0702040204020203" pitchFamily="34" charset="0"/>
+            </a:endParaRPr>
+          </a:p>
+          <a:p>
+            <a:pPr marL="0" indent="0">
+              <a:spcBef>
+                <a:spcPts val="0"/>
+              </a:spcBef>
+              <a:spcAft>
+                <a:spcPts val="0"/>
+              </a:spcAft>
+              <a:buClr>
+                <a:srgbClr val="D34817"/>
+              </a:buClr>
+              <a:buSzPct val="100000"/>
+              <a:buNone/>
+            </a:pPr>
+            <a:endParaRPr lang="en-US" sz="2400" dirty="0">
+              <a:solidFill>
+                <a:schemeClr val="bg2">
+                  <a:lumMod val="10000"/>
+                  <a:lumOff val="90000"/>
+                </a:schemeClr>
+              </a:solidFill>
+              <a:effectLst/>
+              <a:latin typeface="Selawik Semibold" panose="020B0702040204020203" pitchFamily="34" charset="0"/>
+            </a:endParaRPr>
+          </a:p>
+        </p:txBody>
+      </p:sp>
+      <p:pic>
+        <p:nvPicPr>
+          <p:cNvPr id="40" name="Graphic 39" descr="Football">
+            <a:extLst>
+              <a:ext uri="{FF2B5EF4-FFF2-40B4-BE49-F238E27FC236}">
+                <a16:creationId xmlns:a16="http://schemas.microsoft.com/office/drawing/2014/main" id="{43103FBA-298C-4A8C-8E68-C9DFEB1CFAF5}"/>
+              </a:ext>
+            </a:extLst>
+          </p:cNvPr>
+          <p:cNvPicPr>
+            <a:picLocks noChangeAspect="1"/>
+          </p:cNvPicPr>
+          <p:nvPr/>
+        </p:nvPicPr>
+        <p:blipFill>
+          <a:blip r:embed="rId5">
+            <a:extLst>
+              <a:ext uri="{28A0092B-C50C-407E-A947-70E740481C1C}">
+                <a14:useLocalDpi xmlns:a14="http://schemas.microsoft.com/office/drawing/2010/main" val="0"/>
+              </a:ext>
+              <a:ext uri="{96DAC541-7B7A-43D3-8B79-37D633B846F1}">
+                <asvg:svgBlip xmlns:asvg="http://schemas.microsoft.com/office/drawing/2016/SVG/main" r:embed="rId6"/>
+              </a:ext>
+            </a:extLst>
+          </a:blip>
+          <a:stretch>
+            <a:fillRect/>
+          </a:stretch>
+        </p:blipFill>
+        <p:spPr>
+          <a:xfrm>
+            <a:off x="8917272" y="232079"/>
+            <a:ext cx="1406766" cy="1406766"/>
+          </a:xfrm>
+          <a:prstGeom prst="rect">
+            <a:avLst/>
+          </a:prstGeom>
+        </p:spPr>
+      </p:pic>
+      <p:sp>
+        <p:nvSpPr>
+          <p:cNvPr id="17" name="Rectangle 16">
+            <a:extLst>
+              <a:ext uri="{FF2B5EF4-FFF2-40B4-BE49-F238E27FC236}">
+                <a16:creationId xmlns:a16="http://schemas.microsoft.com/office/drawing/2014/main" id="{5020441A-C920-4B5D-B423-02BDA4A265D5}"/>
+              </a:ext>
+            </a:extLst>
+          </p:cNvPr>
+          <p:cNvSpPr/>
+          <p:nvPr/>
+        </p:nvSpPr>
+        <p:spPr>
+          <a:xfrm>
+            <a:off x="0" y="6363870"/>
+            <a:ext cx="12192000" cy="280807"/>
+          </a:xfrm>
+          <a:prstGeom prst="rect">
+            <a:avLst/>
+          </a:prstGeom>
+          <a:solidFill>
+            <a:srgbClr val="D34817"/>
+          </a:solidFill>
+          <a:ln>
+            <a:noFill/>
+          </a:ln>
+        </p:spPr>
+        <p:style>
+          <a:lnRef idx="2">
+            <a:schemeClr val="accent1">
+              <a:shade val="50000"/>
+            </a:schemeClr>
+          </a:lnRef>
+          <a:fillRef idx="1">
+            <a:schemeClr val="accent1"/>
+          </a:fillRef>
+          <a:effectRef idx="0">
+            <a:schemeClr val="accent1"/>
+          </a:effectRef>
+          <a:fontRef idx="minor">
+            <a:schemeClr val="lt1"/>
+          </a:fontRef>
+        </p:style>
+        <p:txBody>
+          <a:bodyPr rtlCol="0" anchor="ctr"/>
+          <a:lstStyle/>
+          <a:p>
+            <a:pPr algn="ctr"/>
+            <a:endParaRPr lang="en-US"/>
+          </a:p>
+        </p:txBody>
+      </p:sp>
+      <p:sp>
+        <p:nvSpPr>
+          <p:cNvPr id="43" name="Rectangle 42">
+            <a:extLst>
+              <a:ext uri="{FF2B5EF4-FFF2-40B4-BE49-F238E27FC236}">
+                <a16:creationId xmlns:a16="http://schemas.microsoft.com/office/drawing/2014/main" id="{50A0A4F6-DDDF-466F-B88A-4EAD2319B32D}"/>
+              </a:ext>
+            </a:extLst>
+          </p:cNvPr>
+          <p:cNvSpPr/>
+          <p:nvPr/>
+        </p:nvSpPr>
+        <p:spPr>
+          <a:xfrm>
+            <a:off x="10402110" y="528506"/>
+            <a:ext cx="1789889" cy="813912"/>
+          </a:xfrm>
+          <a:prstGeom prst="rect">
+            <a:avLst/>
+          </a:prstGeom>
+          <a:solidFill>
+            <a:srgbClr val="D34817"/>
+          </a:solidFill>
+        </p:spPr>
+        <p:style>
+          <a:lnRef idx="2">
+            <a:schemeClr val="accent1">
+              <a:shade val="50000"/>
+            </a:schemeClr>
+          </a:lnRef>
+          <a:fillRef idx="1">
+            <a:schemeClr val="accent1"/>
+          </a:fillRef>
+          <a:effectRef idx="0">
+            <a:schemeClr val="accent1"/>
+          </a:effectRef>
+          <a:fontRef idx="minor">
+            <a:schemeClr val="lt1"/>
+          </a:fontRef>
+        </p:style>
+        <p:txBody>
+          <a:bodyPr rtlCol="0" anchor="ctr"/>
+          <a:lstStyle/>
+          <a:p>
+            <a:pPr algn="ctr"/>
+            <a:endParaRPr lang="en-US"/>
+          </a:p>
+        </p:txBody>
+      </p:sp>
+      <p:sp>
+        <p:nvSpPr>
+          <p:cNvPr id="46" name="Rectangle 45">
+            <a:extLst>
+              <a:ext uri="{FF2B5EF4-FFF2-40B4-BE49-F238E27FC236}">
+                <a16:creationId xmlns:a16="http://schemas.microsoft.com/office/drawing/2014/main" id="{4E8668F5-2350-4974-AA4D-876D0CD42EDD}"/>
+              </a:ext>
+            </a:extLst>
+          </p:cNvPr>
+          <p:cNvSpPr/>
+          <p:nvPr/>
+        </p:nvSpPr>
+        <p:spPr>
+          <a:xfrm>
+            <a:off x="-112743" y="528506"/>
+            <a:ext cx="470541" cy="813912"/>
+          </a:xfrm>
+          <a:prstGeom prst="rect">
+            <a:avLst/>
+          </a:prstGeom>
+          <a:solidFill>
+            <a:srgbClr val="D34817"/>
+          </a:solidFill>
+        </p:spPr>
+        <p:style>
+          <a:lnRef idx="2">
+            <a:schemeClr val="accent1">
+              <a:shade val="50000"/>
+            </a:schemeClr>
+          </a:lnRef>
+          <a:fillRef idx="1">
+            <a:schemeClr val="accent1"/>
+          </a:fillRef>
+          <a:effectRef idx="0">
+            <a:schemeClr val="accent1"/>
+          </a:effectRef>
+          <a:fontRef idx="minor">
+            <a:schemeClr val="lt1"/>
+          </a:fontRef>
+        </p:style>
+        <p:txBody>
+          <a:bodyPr rtlCol="0" anchor="ctr"/>
+          <a:lstStyle/>
+          <a:p>
+            <a:pPr algn="ctr"/>
+            <a:endParaRPr lang="en-US"/>
+          </a:p>
+        </p:txBody>
+      </p:sp>
+      <p:pic>
+        <p:nvPicPr>
+          <p:cNvPr id="47" name="Graphic 46" descr="Football">
+            <a:extLst>
+              <a:ext uri="{FF2B5EF4-FFF2-40B4-BE49-F238E27FC236}">
+                <a16:creationId xmlns:a16="http://schemas.microsoft.com/office/drawing/2014/main" id="{BBBD34EB-97F5-4783-BE1A-4ADD4D05EBF0}"/>
+              </a:ext>
+            </a:extLst>
+          </p:cNvPr>
+          <p:cNvPicPr>
+            <a:picLocks noChangeAspect="1"/>
+          </p:cNvPicPr>
+          <p:nvPr/>
+        </p:nvPicPr>
+        <p:blipFill>
+          <a:blip r:embed="rId5">
+            <a:extLst>
+              <a:ext uri="{28A0092B-C50C-407E-A947-70E740481C1C}">
+                <a14:useLocalDpi xmlns:a14="http://schemas.microsoft.com/office/drawing/2010/main" val="0"/>
+              </a:ext>
+              <a:ext uri="{96DAC541-7B7A-43D3-8B79-37D633B846F1}">
+                <asvg:svgBlip xmlns:asvg="http://schemas.microsoft.com/office/drawing/2016/SVG/main" r:embed="rId6"/>
+              </a:ext>
+            </a:extLst>
+          </a:blip>
+          <a:stretch>
+            <a:fillRect/>
+          </a:stretch>
+        </p:blipFill>
+        <p:spPr>
+          <a:xfrm>
+            <a:off x="426182" y="210495"/>
+            <a:ext cx="1406766" cy="1406766"/>
+          </a:xfrm>
+          <a:prstGeom prst="rect">
+            <a:avLst/>
+          </a:prstGeom>
+        </p:spPr>
+      </p:pic>
+      <p:pic>
+        <p:nvPicPr>
+          <p:cNvPr id="1026" name="Picture 2" descr="Tom Brady gets apology from Tampa mayor over park snafu">
+            <a:extLst>
+              <a:ext uri="{FF2B5EF4-FFF2-40B4-BE49-F238E27FC236}">
+                <a16:creationId xmlns:a16="http://schemas.microsoft.com/office/drawing/2014/main" id="{BFE6578B-78F1-86B9-8AD5-F676E7FB1D4A}"/>
+              </a:ext>
+            </a:extLst>
+          </p:cNvPr>
+          <p:cNvPicPr>
+            <a:picLocks noChangeAspect="1" noChangeArrowheads="1"/>
+          </p:cNvPicPr>
+          <p:nvPr/>
+        </p:nvPicPr>
+        <p:blipFill>
+          <a:blip r:embed="rId7">
+            <a:extLst>
+              <a:ext uri="{28A0092B-C50C-407E-A947-70E740481C1C}">
+                <a14:useLocalDpi xmlns:a14="http://schemas.microsoft.com/office/drawing/2010/main" val="0"/>
+              </a:ext>
+            </a:extLst>
+          </a:blip>
+          <a:srcRect/>
+          <a:stretch>
+            <a:fillRect/>
+          </a:stretch>
+        </p:blipFill>
+        <p:spPr bwMode="auto">
+          <a:xfrm>
+            <a:off x="9707452" y="2134768"/>
+            <a:ext cx="1589602" cy="1059408"/>
+          </a:xfrm>
+          <a:prstGeom prst="rect">
+            <a:avLst/>
+          </a:prstGeom>
+          <a:noFill/>
+          <a:ln w="28575">
+            <a:solidFill>
+              <a:srgbClr val="D34817"/>
+            </a:solidFill>
+          </a:ln>
+          <a:extLst>
+            <a:ext uri="{909E8E84-426E-40DD-AFC4-6F175D3DCCD1}">
+              <a14:hiddenFill xmlns:a14="http://schemas.microsoft.com/office/drawing/2010/main">
+                <a:solidFill>
+                  <a:srgbClr val="FFFFFF"/>
+                </a:solidFill>
+              </a14:hiddenFill>
+            </a:ext>
+          </a:extLst>
+        </p:spPr>
+      </p:pic>
+      <p:pic>
+        <p:nvPicPr>
+          <p:cNvPr id="1028" name="Picture 4" descr="Aaron Rodgers has no interest in TV gig after NFL retirement">
+            <a:extLst>
+              <a:ext uri="{FF2B5EF4-FFF2-40B4-BE49-F238E27FC236}">
+                <a16:creationId xmlns:a16="http://schemas.microsoft.com/office/drawing/2014/main" id="{D1C05B2F-737D-EC86-B324-30254B5F73C7}"/>
+              </a:ext>
+            </a:extLst>
+          </p:cNvPr>
+          <p:cNvPicPr>
+            <a:picLocks noChangeAspect="1" noChangeArrowheads="1"/>
+          </p:cNvPicPr>
+          <p:nvPr/>
+        </p:nvPicPr>
+        <p:blipFill>
+          <a:blip r:embed="rId8">
+            <a:extLst>
+              <a:ext uri="{28A0092B-C50C-407E-A947-70E740481C1C}">
+                <a14:useLocalDpi xmlns:a14="http://schemas.microsoft.com/office/drawing/2010/main" val="0"/>
+              </a:ext>
+            </a:extLst>
+          </a:blip>
+          <a:srcRect/>
+          <a:stretch>
+            <a:fillRect/>
+          </a:stretch>
+        </p:blipFill>
+        <p:spPr bwMode="auto">
+          <a:xfrm>
+            <a:off x="9708678" y="3354998"/>
+            <a:ext cx="1588376" cy="1059408"/>
+          </a:xfrm>
+          <a:prstGeom prst="rect">
+            <a:avLst/>
+          </a:prstGeom>
+          <a:noFill/>
+          <a:ln w="28575">
+            <a:solidFill>
+              <a:srgbClr val="D34817"/>
+            </a:solidFill>
+          </a:ln>
+          <a:extLst>
+            <a:ext uri="{909E8E84-426E-40DD-AFC4-6F175D3DCCD1}">
+              <a14:hiddenFill xmlns:a14="http://schemas.microsoft.com/office/drawing/2010/main">
+                <a:solidFill>
+                  <a:srgbClr val="FFFFFF"/>
+                </a:solidFill>
+              </a14:hiddenFill>
+            </a:ext>
+          </a:extLst>
+        </p:spPr>
+      </p:pic>
+    </p:spTree>
+    <p:extLst>
+      <p:ext uri="{BB962C8B-B14F-4D97-AF65-F5344CB8AC3E}">
+        <p14:creationId xmlns:p14="http://schemas.microsoft.com/office/powerpoint/2010/main" val="3882396257"/>
+      </p:ext>
+    </p:extLst>
+  </p:cSld>
+  <p:clrMapOvr>
+    <a:masterClrMapping/>
+  </p:clrMapOvr>
+</p:sld>
+</file>
+
+<file path=ppt/slides/slide12.xml><?xml version="1.0" encoding="utf-8"?>
 <p:sld xmlns:a="http://schemas.openxmlformats.org/drawingml/2006/main" xmlns:r="http://schemas.openxmlformats.org/officeDocument/2006/relationships" xmlns:p="http://schemas.openxmlformats.org/presentationml/2006/main">
   <p:cSld>
     <p:bg>
@@ -11542,10 +12943,6 @@
               </a:rPr>
               <a:t>Expected Points Added (EPA)</a:t>
             </a:r>
-            <a:endParaRPr lang="en-US" dirty="0">
-              <a:effectLst/>
-              <a:latin typeface="Selawik Semibold" panose="020B0702040204020203" pitchFamily="34" charset="0"/>
-            </a:endParaRPr>
           </a:p>
           <a:p>
             <a:pPr marL="377100" lvl="1" indent="0">
@@ -11559,8 +12956,7 @@
                 <a:srgbClr val="D34817"/>
               </a:buClr>
               <a:buSzPct val="100000"/>
-              <a:buFont typeface="Wingdings" panose="05000000000000000000" pitchFamily="2" charset="2"/>
-              <a:buChar char="v"/>
+              <a:buNone/>
             </a:pPr>
             <a:endParaRPr lang="en-US" dirty="0">
               <a:effectLst/>
@@ -12320,7 +13716,7 @@
                 <a:effectLst/>
                 <a:latin typeface="Selawik Semibold" panose="020B0702040204020203" pitchFamily="34" charset="0"/>
               </a:rPr>
-              <a:t>Tom Brady VS Peyton Manning</a:t>
+              <a:t>Tom Brady VS Aaron Rodgers</a:t>
             </a:r>
           </a:p>
         </p:txBody>
@@ -12549,21 +13945,49 @@
                 <a:effectLst/>
                 <a:latin typeface="Selawik Semibold" panose="020B0702040204020203" pitchFamily="34" charset="0"/>
               </a:rPr>
-              <a:t>According to</a:t>
-            </a:r>
-            <a:r>
-              <a:rPr lang="en-US" sz="2200" i="1" dirty="0">
-                <a:solidFill>
-                  <a:schemeClr val="bg2">
-                    <a:lumMod val="10000"/>
-                    <a:lumOff val="90000"/>
-                  </a:schemeClr>
-                </a:solidFill>
-                <a:effectLst/>
-                <a:latin typeface="Selawik Semibold" panose="020B0702040204020203" pitchFamily="34" charset="0"/>
-              </a:rPr>
-              <a:t> Wages of Wins </a:t>
-            </a:r>
+              <a:t>Critique: “Any system for rating quarterbacks based on passing statistics is really rating the team’s entire passing game."</a:t>
+            </a:r>
+          </a:p>
+          <a:p>
+            <a:pPr marL="0" indent="0">
+              <a:spcBef>
+                <a:spcPts val="0"/>
+              </a:spcBef>
+              <a:spcAft>
+                <a:spcPts val="0"/>
+              </a:spcAft>
+              <a:buClr>
+                <a:srgbClr val="D34817"/>
+              </a:buClr>
+              <a:buSzPct val="100000"/>
+              <a:buNone/>
+            </a:pPr>
+            <a:endParaRPr lang="en-US" sz="2200" dirty="0">
+              <a:solidFill>
+                <a:schemeClr val="bg2">
+                  <a:lumMod val="10000"/>
+                  <a:lumOff val="90000"/>
+                </a:schemeClr>
+              </a:solidFill>
+              <a:effectLst/>
+              <a:latin typeface="Selawik Semibold" panose="020B0702040204020203" pitchFamily="34" charset="0"/>
+            </a:endParaRPr>
+          </a:p>
+          <a:p>
+            <a:pPr marL="0" indent="0">
+              <a:spcBef>
+                <a:spcPts val="0"/>
+              </a:spcBef>
+              <a:spcAft>
+                <a:spcPts val="0"/>
+              </a:spcAft>
+              <a:buClr>
+                <a:srgbClr val="D34817"/>
+              </a:buClr>
+              <a:buSzPct val="100000"/>
+              <a:buFont typeface="Wingdings" panose="05000000000000000000" pitchFamily="2" charset="2"/>
+              <a:buChar char="v"/>
+            </a:pPr>
             <a:r>
               <a:rPr lang="en-US" sz="2200" dirty="0">
                 <a:solidFill>
@@ -12575,8 +13999,120 @@
                 <a:effectLst/>
                 <a:latin typeface="Selawik Semibold" panose="020B0702040204020203" pitchFamily="34" charset="0"/>
               </a:rPr>
-              <a:t>From Regression</a:t>
-            </a:r>
+              <a:t>Estimated Linear Model for Wins</a:t>
+            </a:r>
+          </a:p>
+          <a:p>
+            <a:pPr marL="377100" lvl="1" indent="0">
+              <a:spcBef>
+                <a:spcPts val="0"/>
+              </a:spcBef>
+              <a:spcAft>
+                <a:spcPts val="0"/>
+              </a:spcAft>
+              <a:buClr>
+                <a:srgbClr val="D34817"/>
+              </a:buClr>
+              <a:buSzPct val="100000"/>
+              <a:buFont typeface="Wingdings" panose="05000000000000000000" pitchFamily="2" charset="2"/>
+              <a:buChar char="v"/>
+            </a:pPr>
+            <a:r>
+              <a:rPr lang="en-US" sz="2000" dirty="0">
+                <a:solidFill>
+                  <a:schemeClr val="bg2">
+                    <a:lumMod val="10000"/>
+                    <a:lumOff val="90000"/>
+                  </a:schemeClr>
+                </a:solidFill>
+                <a:effectLst/>
+                <a:latin typeface="Selawik Semibold" panose="020B0702040204020203" pitchFamily="34" charset="0"/>
+              </a:rPr>
+              <a:t>Conducted by Brian Burke (ESPN)</a:t>
+            </a:r>
+          </a:p>
+          <a:p>
+            <a:pPr marL="377100" lvl="1" indent="0">
+              <a:spcBef>
+                <a:spcPts val="0"/>
+              </a:spcBef>
+              <a:spcAft>
+                <a:spcPts val="0"/>
+              </a:spcAft>
+              <a:buClr>
+                <a:srgbClr val="D34817"/>
+              </a:buClr>
+              <a:buSzPct val="100000"/>
+              <a:buFont typeface="Wingdings" panose="05000000000000000000" pitchFamily="2" charset="2"/>
+              <a:buChar char="v"/>
+            </a:pPr>
+            <a:r>
+              <a:rPr lang="en-US" sz="2000" dirty="0">
+                <a:solidFill>
+                  <a:schemeClr val="bg2">
+                    <a:lumMod val="10000"/>
+                    <a:lumOff val="90000"/>
+                  </a:schemeClr>
+                </a:solidFill>
+                <a:effectLst/>
+                <a:latin typeface="Selawik Semibold" panose="020B0702040204020203" pitchFamily="34" charset="0"/>
+              </a:rPr>
+              <a:t>Data from 2002-2006</a:t>
+            </a:r>
+          </a:p>
+          <a:p>
+            <a:pPr marL="377100" lvl="1" indent="0">
+              <a:spcBef>
+                <a:spcPts val="0"/>
+              </a:spcBef>
+              <a:spcAft>
+                <a:spcPts val="0"/>
+              </a:spcAft>
+              <a:buClr>
+                <a:srgbClr val="D34817"/>
+              </a:buClr>
+              <a:buSzPct val="100000"/>
+              <a:buFont typeface="Wingdings" panose="05000000000000000000" pitchFamily="2" charset="2"/>
+              <a:buChar char="v"/>
+            </a:pPr>
+            <a:r>
+              <a:rPr lang="en-US" sz="2000" dirty="0">
+                <a:solidFill>
+                  <a:schemeClr val="bg2">
+                    <a:lumMod val="10000"/>
+                    <a:lumOff val="90000"/>
+                  </a:schemeClr>
+                </a:solidFill>
+                <a:effectLst/>
+                <a:latin typeface="Selawik Semibold" panose="020B0702040204020203" pitchFamily="34" charset="0"/>
+              </a:rPr>
+              <a:t>Created Total QBR for ESPN in 2016</a:t>
+            </a:r>
+          </a:p>
+          <a:p>
+            <a:pPr marL="377100" lvl="1" indent="0">
+              <a:spcBef>
+                <a:spcPts val="0"/>
+              </a:spcBef>
+              <a:spcAft>
+                <a:spcPts val="0"/>
+              </a:spcAft>
+              <a:buClr>
+                <a:srgbClr val="D34817"/>
+              </a:buClr>
+              <a:buSzPct val="100000"/>
+              <a:buNone/>
+            </a:pPr>
+            <a:endParaRPr lang="en-US" sz="2000" dirty="0">
+              <a:solidFill>
+                <a:schemeClr val="bg2">
+                  <a:lumMod val="10000"/>
+                  <a:lumOff val="90000"/>
+                </a:schemeClr>
+              </a:solidFill>
+              <a:effectLst/>
+              <a:latin typeface="Selawik Semibold" panose="020B0702040204020203" pitchFamily="34" charset="0"/>
+            </a:endParaRPr>
           </a:p>
           <a:p>
             <a:pPr marL="0" indent="0">
@@ -12604,170 +14140,6 @@
               <a:latin typeface="Selawik Semibold" panose="020B0702040204020203" pitchFamily="34" charset="0"/>
             </a:endParaRPr>
           </a:p>
-          <a:p>
-            <a:pPr marL="0" indent="0">
-              <a:spcBef>
-                <a:spcPts val="0"/>
-              </a:spcBef>
-              <a:spcAft>
-                <a:spcPts val="0"/>
-              </a:spcAft>
-              <a:buClr>
-                <a:srgbClr val="D34817"/>
-              </a:buClr>
-              <a:buSzPct val="100000"/>
-              <a:buFont typeface="Wingdings" panose="05000000000000000000" pitchFamily="2" charset="2"/>
-              <a:buChar char="v"/>
-            </a:pPr>
-            <a:endParaRPr lang="en-US" sz="2200" dirty="0">
-              <a:solidFill>
-                <a:schemeClr val="bg2">
-                  <a:lumMod val="10000"/>
-                  <a:lumOff val="90000"/>
-                </a:schemeClr>
-              </a:solidFill>
-              <a:effectLst/>
-              <a:latin typeface="Selawik Semibold" panose="020B0702040204020203" pitchFamily="34" charset="0"/>
-            </a:endParaRPr>
-          </a:p>
-          <a:p>
-            <a:pPr marL="0" indent="0">
-              <a:spcBef>
-                <a:spcPts val="0"/>
-              </a:spcBef>
-              <a:spcAft>
-                <a:spcPts val="0"/>
-              </a:spcAft>
-              <a:buClr>
-                <a:srgbClr val="D34817"/>
-              </a:buClr>
-              <a:buSzPct val="100000"/>
-              <a:buFont typeface="Wingdings" panose="05000000000000000000" pitchFamily="2" charset="2"/>
-              <a:buChar char="v"/>
-            </a:pPr>
-            <a:r>
-              <a:rPr lang="en-US" sz="2200" dirty="0">
-                <a:solidFill>
-                  <a:schemeClr val="bg2">
-                    <a:lumMod val="10000"/>
-                    <a:lumOff val="90000"/>
-                  </a:schemeClr>
-                </a:solidFill>
-                <a:effectLst/>
-                <a:latin typeface="Selawik Semibold" panose="020B0702040204020203" pitchFamily="34" charset="0"/>
-              </a:rPr>
-              <a:t>Estimated Linear Model for Wins</a:t>
-            </a:r>
-          </a:p>
-          <a:p>
-            <a:pPr marL="377100" lvl="1" indent="0">
-              <a:spcBef>
-                <a:spcPts val="0"/>
-              </a:spcBef>
-              <a:spcAft>
-                <a:spcPts val="0"/>
-              </a:spcAft>
-              <a:buClr>
-                <a:srgbClr val="D34817"/>
-              </a:buClr>
-              <a:buSzPct val="100000"/>
-              <a:buFont typeface="Wingdings" panose="05000000000000000000" pitchFamily="2" charset="2"/>
-              <a:buChar char="v"/>
-            </a:pPr>
-            <a:r>
-              <a:rPr lang="en-US" sz="2000" dirty="0">
-                <a:solidFill>
-                  <a:schemeClr val="bg2">
-                    <a:lumMod val="10000"/>
-                    <a:lumOff val="90000"/>
-                  </a:schemeClr>
-                </a:solidFill>
-                <a:effectLst/>
-                <a:latin typeface="Selawik Semibold" panose="020B0702040204020203" pitchFamily="34" charset="0"/>
-              </a:rPr>
-              <a:t>Conducted by Brian Burke</a:t>
-            </a:r>
-          </a:p>
-          <a:p>
-            <a:pPr marL="377100" lvl="1" indent="0">
-              <a:spcBef>
-                <a:spcPts val="0"/>
-              </a:spcBef>
-              <a:spcAft>
-                <a:spcPts val="0"/>
-              </a:spcAft>
-              <a:buClr>
-                <a:srgbClr val="D34817"/>
-              </a:buClr>
-              <a:buSzPct val="100000"/>
-              <a:buFont typeface="Wingdings" panose="05000000000000000000" pitchFamily="2" charset="2"/>
-              <a:buChar char="v"/>
-            </a:pPr>
-            <a:r>
-              <a:rPr lang="en-US" sz="2000" dirty="0">
-                <a:solidFill>
-                  <a:schemeClr val="bg2">
-                    <a:lumMod val="10000"/>
-                    <a:lumOff val="90000"/>
-                  </a:schemeClr>
-                </a:solidFill>
-                <a:effectLst/>
-                <a:latin typeface="Selawik Semibold" panose="020B0702040204020203" pitchFamily="34" charset="0"/>
-              </a:rPr>
-              <a:t>Data from 2002-2006</a:t>
-            </a:r>
-          </a:p>
-          <a:p>
-            <a:pPr marL="377100" lvl="1" indent="0">
-              <a:spcBef>
-                <a:spcPts val="0"/>
-              </a:spcBef>
-              <a:spcAft>
-                <a:spcPts val="0"/>
-              </a:spcAft>
-              <a:buClr>
-                <a:srgbClr val="D34817"/>
-              </a:buClr>
-              <a:buSzPct val="100000"/>
-              <a:buNone/>
-            </a:pPr>
-            <a:endParaRPr lang="en-US" sz="2000" dirty="0">
-              <a:solidFill>
-                <a:schemeClr val="bg2">
-                  <a:lumMod val="10000"/>
-                  <a:lumOff val="90000"/>
-                </a:schemeClr>
-              </a:solidFill>
-              <a:effectLst/>
-              <a:latin typeface="Selawik Semibold" panose="020B0702040204020203" pitchFamily="34" charset="0"/>
-            </a:endParaRPr>
-          </a:p>
-          <a:p>
-            <a:pPr marL="0" indent="0">
-              <a:spcBef>
-                <a:spcPts val="0"/>
-              </a:spcBef>
-              <a:spcAft>
-                <a:spcPts val="0"/>
-              </a:spcAft>
-              <a:buClr>
-                <a:srgbClr val="D34817"/>
-              </a:buClr>
-              <a:buSzPct val="100000"/>
-              <a:buFont typeface="Wingdings" panose="05000000000000000000" pitchFamily="2" charset="2"/>
-              <a:buChar char="v"/>
-            </a:pPr>
-            <a:endParaRPr lang="en-US" sz="2200" dirty="0">
-              <a:solidFill>
-                <a:schemeClr val="bg2">
-                  <a:lumMod val="10000"/>
-                  <a:lumOff val="90000"/>
-                </a:schemeClr>
-              </a:solidFill>
-              <a:effectLst/>
-              <a:latin typeface="Selawik Semibold" panose="020B0702040204020203" pitchFamily="34" charset="0"/>
-            </a:endParaRPr>
-          </a:p>
         </p:txBody>
       </p:sp>
       <p:pic>
@@ -13247,156 +14619,6 @@
           </a:p>
         </p:txBody>
       </p:sp>
-      <mc:AlternateContent xmlns:mc="http://schemas.openxmlformats.org/markup-compatibility/2006" xmlns:a14="http://schemas.microsoft.com/office/drawing/2010/main">
-        <mc:Choice Requires="a14">
-          <p:sp>
-            <p:nvSpPr>
-              <p:cNvPr id="14" name="TextBox 13">
-                <a:extLst>
-                  <a:ext uri="{FF2B5EF4-FFF2-40B4-BE49-F238E27FC236}">
-                    <a16:creationId xmlns:a16="http://schemas.microsoft.com/office/drawing/2014/main" id="{8FCD1A23-3E86-4A28-B0D8-E599ADF1E983}"/>
-                  </a:ext>
-                </a:extLst>
-              </p:cNvPr>
-              <p:cNvSpPr txBox="1"/>
-              <p:nvPr/>
-            </p:nvSpPr>
-            <p:spPr>
-              <a:xfrm>
-                <a:off x="1364910" y="3770525"/>
-                <a:ext cx="7848538" cy="461665"/>
-              </a:xfrm>
-              <a:prstGeom prst="rect">
-                <a:avLst/>
-              </a:prstGeom>
-              <a:noFill/>
-            </p:spPr>
-            <p:txBody>
-              <a:bodyPr wrap="square" rtlCol="0">
-                <a:spAutoFit/>
-              </a:bodyPr>
-              <a:lstStyle/>
-              <a:p>
-                <a:pPr/>
-                <a14:m>
-                  <m:oMathPara xmlns:m="http://schemas.openxmlformats.org/officeDocument/2006/math">
-                    <m:oMathParaPr>
-                      <m:jc m:val="centerGroup"/>
-                    </m:oMathParaPr>
-                    <m:oMath xmlns:m="http://schemas.openxmlformats.org/officeDocument/2006/math">
-                      <m:r>
-                        <a:rPr lang="en-US" sz="2400" i="1" smtClean="0">
-                          <a:latin typeface="Cambria Math" panose="02040503050406030204" pitchFamily="18" charset="0"/>
-                        </a:rPr>
-                        <m:t>𝑄</m:t>
-                      </m:r>
-                      <m:r>
-                        <a:rPr lang="en-US" sz="2400" b="0" i="1" smtClean="0">
-                          <a:latin typeface="Cambria Math" panose="02040503050406030204" pitchFamily="18" charset="0"/>
-                        </a:rPr>
-                        <m:t>𝐵</m:t>
-                      </m:r>
-                      <m:r>
-                        <a:rPr lang="en-US" sz="2400" b="0" i="1" smtClean="0">
-                          <a:latin typeface="Cambria Math" panose="02040503050406030204" pitchFamily="18" charset="0"/>
-                        </a:rPr>
-                        <m:t> </m:t>
-                      </m:r>
-                      <m:r>
-                        <a:rPr lang="en-US" sz="2400" b="0" i="1" smtClean="0">
-                          <a:latin typeface="Cambria Math" panose="02040503050406030204" pitchFamily="18" charset="0"/>
-                        </a:rPr>
-                        <m:t>𝑅𝑎𝑡𝑖𝑛𝑔</m:t>
-                      </m:r>
-                      <m:r>
-                        <a:rPr lang="en-US" sz="2400" i="1" smtClean="0">
-                          <a:latin typeface="Cambria Math" panose="02040503050406030204" pitchFamily="18" charset="0"/>
-                        </a:rPr>
-                        <m:t>=</m:t>
-                      </m:r>
-                      <m:r>
-                        <a:rPr lang="en-US" sz="2400" b="0" i="1" smtClean="0">
-                          <a:latin typeface="Cambria Math" panose="02040503050406030204" pitchFamily="18" charset="0"/>
-                        </a:rPr>
-                        <m:t>𝑌𝐷𝑆</m:t>
-                      </m:r>
-                      <m:r>
-                        <a:rPr lang="en-US" sz="2400" b="0" i="1" smtClean="0">
-                          <a:latin typeface="Cambria Math" panose="02040503050406030204" pitchFamily="18" charset="0"/>
-                        </a:rPr>
-                        <m:t>−3×</m:t>
-                      </m:r>
-                      <m:r>
-                        <a:rPr lang="en-US" sz="2400" b="0" i="1" smtClean="0">
-                          <a:latin typeface="Cambria Math" panose="02040503050406030204" pitchFamily="18" charset="0"/>
-                        </a:rPr>
-                        <m:t>𝐴𝑇𝑇</m:t>
-                      </m:r>
-                      <m:r>
-                        <a:rPr lang="en-US" sz="2400" b="0" i="1" smtClean="0">
-                          <a:latin typeface="Cambria Math" panose="02040503050406030204" pitchFamily="18" charset="0"/>
-                        </a:rPr>
-                        <m:t>−30×</m:t>
-                      </m:r>
-                      <m:r>
-                        <a:rPr lang="en-US" sz="2400" b="0" i="1" smtClean="0">
-                          <a:latin typeface="Cambria Math" panose="02040503050406030204" pitchFamily="18" charset="0"/>
-                        </a:rPr>
-                        <m:t>𝐼𝑁𝑇</m:t>
-                      </m:r>
-                    </m:oMath>
-                  </m:oMathPara>
-                </a14:m>
-                <a:endParaRPr lang="en-US" sz="2400" b="0" dirty="0"/>
-              </a:p>
-            </p:txBody>
-          </p:sp>
-        </mc:Choice>
-        <mc:Fallback xmlns="">
-          <p:sp>
-            <p:nvSpPr>
-              <p:cNvPr id="14" name="TextBox 13">
-                <a:extLst>
-                  <a:ext uri="{FF2B5EF4-FFF2-40B4-BE49-F238E27FC236}">
-                    <a16:creationId xmlns:a16="http://schemas.microsoft.com/office/drawing/2014/main" id="{8FCD1A23-3E86-4A28-B0D8-E599ADF1E983}"/>
-                  </a:ext>
-                </a:extLst>
-              </p:cNvPr>
-              <p:cNvSpPr txBox="1">
-                <a:spLocks noRot="1" noChangeAspect="1" noMove="1" noResize="1" noEditPoints="1" noAdjustHandles="1" noChangeArrowheads="1" noChangeShapeType="1" noTextEdit="1"/>
-              </p:cNvSpPr>
-              <p:nvPr/>
-            </p:nvSpPr>
-            <p:spPr>
-              <a:xfrm>
-                <a:off x="1364910" y="3770525"/>
-                <a:ext cx="7848538" cy="461665"/>
-              </a:xfrm>
-              <a:prstGeom prst="rect">
-                <a:avLst/>
-              </a:prstGeom>
-              <a:blipFill>
-                <a:blip r:embed="rId7"/>
-                <a:stretch>
-                  <a:fillRect b="-18667"/>
-                </a:stretch>
-              </a:blipFill>
-            </p:spPr>
-            <p:txBody>
-              <a:bodyPr/>
-              <a:lstStyle/>
-              <a:p>
-                <a:r>
-                  <a:rPr lang="en-US">
-                    <a:noFill/>
-                  </a:rPr>
-                  <a:t> </a:t>
-                </a:r>
-              </a:p>
-            </p:txBody>
-          </p:sp>
-        </mc:Fallback>
-      </mc:AlternateContent>
     </p:spTree>
     <p:extLst>
       <p:ext uri="{BB962C8B-B14F-4D97-AF65-F5344CB8AC3E}">
@@ -13596,7 +14818,7 @@
                 <a:effectLst/>
                 <a:latin typeface="Selawik Semibold" panose="020B0702040204020203" pitchFamily="34" charset="0"/>
               </a:rPr>
-              <a:t>Tom Brady VS Peyton Manning</a:t>
+              <a:t>Tom Brady VS Aaron Rodgers</a:t>
             </a:r>
           </a:p>
         </p:txBody>
@@ -14217,7 +15439,7 @@
                 <a:effectLst/>
                 <a:latin typeface="Selawik Semibold" panose="020B0702040204020203" pitchFamily="34" charset="0"/>
               </a:rPr>
-              <a:t>Tom Brady VS Peyton Manning</a:t>
+              <a:t>Tom Brady VS Aaron Rodgers</a:t>
             </a:r>
           </a:p>
         </p:txBody>
@@ -14722,7 +15944,7 @@
         </p:nvSpPr>
         <p:spPr>
           <a:xfrm>
-            <a:off x="5251450" y="4452381"/>
+            <a:off x="5332261" y="4086874"/>
             <a:ext cx="844550" cy="323607"/>
           </a:xfrm>
           <a:prstGeom prst="ellipse">
@@ -14917,8 +16139,101 @@
         </p:nvCxnSpPr>
         <p:spPr>
           <a:xfrm flipH="1">
-            <a:off x="6241090" y="4044151"/>
-            <a:ext cx="934410" cy="542522"/>
+            <a:off x="6236971" y="4032119"/>
+            <a:ext cx="998689" cy="204527"/>
+          </a:xfrm>
+          <a:prstGeom prst="straightConnector1">
+            <a:avLst/>
+          </a:prstGeom>
+          <a:ln w="38100">
+            <a:tailEnd type="triangle"/>
+          </a:ln>
+        </p:spPr>
+        <p:style>
+          <a:lnRef idx="1">
+            <a:schemeClr val="accent1"/>
+          </a:lnRef>
+          <a:fillRef idx="0">
+            <a:schemeClr val="accent1"/>
+          </a:fillRef>
+          <a:effectRef idx="0">
+            <a:schemeClr val="accent1"/>
+          </a:effectRef>
+          <a:fontRef idx="minor">
+            <a:schemeClr val="tx1"/>
+          </a:fontRef>
+        </p:style>
+      </p:cxnSp>
+      <p:sp>
+        <p:nvSpPr>
+          <p:cNvPr id="6" name="Oval 5">
+            <a:extLst>
+              <a:ext uri="{FF2B5EF4-FFF2-40B4-BE49-F238E27FC236}">
+                <a16:creationId xmlns:a16="http://schemas.microsoft.com/office/drawing/2014/main" id="{1AF7A364-CF05-9E45-3BCD-B413991B08D7}"/>
+              </a:ext>
+            </a:extLst>
+          </p:cNvPr>
+          <p:cNvSpPr/>
+          <p:nvPr/>
+        </p:nvSpPr>
+        <p:spPr>
+          <a:xfrm>
+            <a:off x="5306311" y="4444857"/>
+            <a:ext cx="844550" cy="323607"/>
+          </a:xfrm>
+          <a:prstGeom prst="ellipse">
+            <a:avLst/>
+          </a:prstGeom>
+          <a:noFill/>
+          <a:ln w="38100">
+            <a:solidFill>
+              <a:srgbClr val="D34817"/>
+            </a:solidFill>
+          </a:ln>
+        </p:spPr>
+        <p:style>
+          <a:lnRef idx="2">
+            <a:schemeClr val="accent1">
+              <a:shade val="50000"/>
+            </a:schemeClr>
+          </a:lnRef>
+          <a:fillRef idx="1">
+            <a:schemeClr val="accent1"/>
+          </a:fillRef>
+          <a:effectRef idx="0">
+            <a:schemeClr val="accent1"/>
+          </a:effectRef>
+          <a:fontRef idx="minor">
+            <a:schemeClr val="lt1"/>
+          </a:fontRef>
+        </p:style>
+        <p:txBody>
+          <a:bodyPr rtlCol="0" anchor="ctr"/>
+          <a:lstStyle/>
+          <a:p>
+            <a:pPr algn="ctr"/>
+            <a:endParaRPr lang="en-US"/>
+          </a:p>
+        </p:txBody>
+      </p:sp>
+      <p:cxnSp>
+        <p:nvCxnSpPr>
+          <p:cNvPr id="7" name="Straight Arrow Connector 6">
+            <a:extLst>
+              <a:ext uri="{FF2B5EF4-FFF2-40B4-BE49-F238E27FC236}">
+                <a16:creationId xmlns:a16="http://schemas.microsoft.com/office/drawing/2014/main" id="{67079213-FAA7-1284-7B0F-081DC88C87F9}"/>
+              </a:ext>
+            </a:extLst>
+          </p:cNvPr>
+          <p:cNvCxnSpPr>
+            <a:cxnSpLocks/>
+          </p:cNvCxnSpPr>
+          <p:nvPr/>
+        </p:nvCxnSpPr>
+        <p:spPr>
+          <a:xfrm flipH="1">
+            <a:off x="6258417" y="4174010"/>
+            <a:ext cx="977243" cy="412663"/>
           </a:xfrm>
           <a:prstGeom prst="straightConnector1">
             <a:avLst/>
@@ -15141,7 +16456,7 @@
                 <a:effectLst/>
                 <a:latin typeface="Selawik Semibold" panose="020B0702040204020203" pitchFamily="34" charset="0"/>
               </a:rPr>
-              <a:t>Tom Brady VS Peyton Manning</a:t>
+              <a:t>Tom Brady VS Aaron Rodgers</a:t>
             </a:r>
           </a:p>
         </p:txBody>
@@ -15876,6 +17191,165 @@
           </a:p>
         </p:txBody>
       </p:sp>
+      <mc:AlternateContent xmlns:mc="http://schemas.openxmlformats.org/markup-compatibility/2006">
+        <mc:Choice xmlns:a14="http://schemas.microsoft.com/office/drawing/2010/main" Requires="a14">
+          <p:sp>
+            <p:nvSpPr>
+              <p:cNvPr id="2" name="TextBox 1">
+                <a:extLst>
+                  <a:ext uri="{FF2B5EF4-FFF2-40B4-BE49-F238E27FC236}">
+                    <a16:creationId xmlns:a16="http://schemas.microsoft.com/office/drawing/2014/main" id="{0A2876C5-6E9D-89D6-A6C9-34362B6100D4}"/>
+                  </a:ext>
+                </a:extLst>
+              </p:cNvPr>
+              <p:cNvSpPr txBox="1"/>
+              <p:nvPr/>
+            </p:nvSpPr>
+            <p:spPr>
+              <a:xfrm>
+                <a:off x="6096000" y="4508653"/>
+                <a:ext cx="6286460" cy="369332"/>
+              </a:xfrm>
+              <a:prstGeom prst="rect">
+                <a:avLst/>
+              </a:prstGeom>
+              <a:noFill/>
+            </p:spPr>
+            <p:txBody>
+              <a:bodyPr wrap="square" rtlCol="0">
+                <a:spAutoFit/>
+              </a:bodyPr>
+              <a:lstStyle/>
+              <a:p>
+                <a14:m>
+                  <m:oMathPara xmlns:m="http://schemas.openxmlformats.org/officeDocument/2006/math">
+                    <m:oMathParaPr>
+                      <m:jc m:val="centerGroup"/>
+                    </m:oMathParaPr>
+                    <m:oMath xmlns:m="http://schemas.openxmlformats.org/officeDocument/2006/math">
+                      <m:r>
+                        <a:rPr lang="en-US" b="0" i="1" smtClean="0">
+                          <a:latin typeface="Cambria Math" panose="02040503050406030204" pitchFamily="18" charset="0"/>
+                        </a:rPr>
+                        <m:t>𝑄𝐵𝑅</m:t>
+                      </m:r>
+                      <m:r>
+                        <a:rPr lang="en-US" b="0" i="1" smtClean="0">
+                          <a:latin typeface="Cambria Math" panose="02040503050406030204" pitchFamily="18" charset="0"/>
+                        </a:rPr>
+                        <m:t> </m:t>
+                      </m:r>
+                      <m:d>
+                        <m:dPr>
+                          <m:ctrlPr>
+                            <a:rPr lang="en-US" b="0" i="1" smtClean="0">
+                              <a:latin typeface="Cambria Math" panose="02040503050406030204" pitchFamily="18" charset="0"/>
+                            </a:rPr>
+                          </m:ctrlPr>
+                        </m:dPr>
+                        <m:e>
+                          <m:r>
+                            <a:rPr lang="en-US" b="0" i="1" smtClean="0">
+                              <a:latin typeface="Cambria Math" panose="02040503050406030204" pitchFamily="18" charset="0"/>
+                            </a:rPr>
+                            <m:t>𝐵𝑜𝑜𝑘</m:t>
+                          </m:r>
+                        </m:e>
+                      </m:d>
+                      <m:r>
+                        <a:rPr lang="en-US" b="0" i="1" smtClean="0">
+                          <a:latin typeface="Cambria Math" panose="02040503050406030204" pitchFamily="18" charset="0"/>
+                        </a:rPr>
+                        <m:t>=1.543</m:t>
+                      </m:r>
+                      <m:d>
+                        <m:dPr>
+                          <m:ctrlPr>
+                            <a:rPr lang="en-US" b="0" i="1" smtClean="0">
+                              <a:latin typeface="Cambria Math" panose="02040503050406030204" pitchFamily="18" charset="0"/>
+                            </a:rPr>
+                          </m:ctrlPr>
+                        </m:dPr>
+                        <m:e>
+                          <m:r>
+                            <a:rPr lang="en-US" b="0" i="1" smtClean="0">
+                              <a:latin typeface="Cambria Math" panose="02040503050406030204" pitchFamily="18" charset="0"/>
+                            </a:rPr>
+                            <m:t>𝑇𝑅𝑈𝑂𝑃𝐴𝑆𝑆</m:t>
+                          </m:r>
+                        </m:e>
+                      </m:d>
+                      <m:r>
+                        <a:rPr lang="en-US" b="0" i="1" smtClean="0">
+                          <a:latin typeface="Cambria Math" panose="02040503050406030204" pitchFamily="18" charset="0"/>
+                        </a:rPr>
+                        <m:t>−50.096(</m:t>
+                      </m:r>
+                      <m:r>
+                        <a:rPr lang="en-US" b="0" i="1" smtClean="0">
+                          <a:latin typeface="Cambria Math" panose="02040503050406030204" pitchFamily="18" charset="0"/>
+                        </a:rPr>
+                        <m:t>𝑂𝐼𝑁𝑇𝑅𝐴𝑇𝐸</m:t>
+                      </m:r>
+                      <m:r>
+                        <a:rPr lang="en-US" b="0" i="1" smtClean="0">
+                          <a:latin typeface="Cambria Math" panose="02040503050406030204" pitchFamily="18" charset="0"/>
+                        </a:rPr>
+                        <m:t>)</m:t>
+                      </m:r>
+                    </m:oMath>
+                  </m:oMathPara>
+                </a14:m>
+                <a:endParaRPr lang="en-US" dirty="0"/>
+              </a:p>
+            </p:txBody>
+          </p:sp>
+        </mc:Choice>
+        <mc:Fallback>
+          <p:sp>
+            <p:nvSpPr>
+              <p:cNvPr id="2" name="TextBox 1">
+                <a:extLst>
+                  <a:ext uri="{FF2B5EF4-FFF2-40B4-BE49-F238E27FC236}">
+                    <a16:creationId xmlns:a16="http://schemas.microsoft.com/office/drawing/2014/main" id="{0A2876C5-6E9D-89D6-A6C9-34362B6100D4}"/>
+                  </a:ext>
+                </a:extLst>
+              </p:cNvPr>
+              <p:cNvSpPr txBox="1">
+                <a:spLocks noRot="1" noChangeAspect="1" noMove="1" noResize="1" noEditPoints="1" noAdjustHandles="1" noChangeArrowheads="1" noChangeShapeType="1" noTextEdit="1"/>
+              </p:cNvSpPr>
+              <p:nvPr/>
+            </p:nvSpPr>
+            <p:spPr>
+              <a:xfrm>
+                <a:off x="6096000" y="4508653"/>
+                <a:ext cx="6286460" cy="369332"/>
+              </a:xfrm>
+              <a:prstGeom prst="rect">
+                <a:avLst/>
+              </a:prstGeom>
+              <a:blipFill>
+                <a:blip r:embed="rId8"/>
+                <a:stretch>
+                  <a:fillRect b="-15000"/>
+                </a:stretch>
+              </a:blipFill>
+            </p:spPr>
+            <p:txBody>
+              <a:bodyPr/>
+              <a:lstStyle/>
+              <a:p>
+                <a:r>
+                  <a:rPr lang="en-US">
+                    <a:noFill/>
+                  </a:rPr>
+                  <a:t> </a:t>
+                </a:r>
+              </a:p>
+            </p:txBody>
+          </p:sp>
+        </mc:Fallback>
+      </mc:AlternateContent>
     </p:spTree>
     <p:extLst>
       <p:ext uri="{BB962C8B-B14F-4D97-AF65-F5344CB8AC3E}">

--- a/Slides/Football 2/Footballl_2_Lecture.pptx
+++ b/Slides/Football 2/Footballl_2_Lecture.pptx
@@ -220,7 +220,7 @@
           <a:p>
             <a:fld id="{C04E5E84-956F-4423-97B3-5936A6D8EEEE}" type="datetimeFigureOut">
               <a:rPr lang="en-US" smtClean="0"/>
-              <a:t>4/2/2023</a:t>
+              <a:t>11/11/2025</a:t>
             </a:fld>
             <a:endParaRPr lang="en-US"/>
           </a:p>
@@ -672,7 +672,7 @@
           <a:p>
             <a:fld id="{3881C039-66A3-4640-815B-3B5A8B7D868D}" type="datetimeFigureOut">
               <a:rPr lang="en-US" smtClean="0"/>
-              <a:t>4/2/2023</a:t>
+              <a:t>11/11/2025</a:t>
             </a:fld>
             <a:endParaRPr lang="en-US"/>
           </a:p>
@@ -970,7 +970,7 @@
           <a:p>
             <a:fld id="{3881C039-66A3-4640-815B-3B5A8B7D868D}" type="datetimeFigureOut">
               <a:rPr lang="en-US" smtClean="0"/>
-              <a:t>4/2/2023</a:t>
+              <a:t>11/11/2025</a:t>
             </a:fld>
             <a:endParaRPr lang="en-US"/>
           </a:p>
@@ -1162,7 +1162,7 @@
           <a:p>
             <a:fld id="{3881C039-66A3-4640-815B-3B5A8B7D868D}" type="datetimeFigureOut">
               <a:rPr lang="en-US" smtClean="0"/>
-              <a:t>4/2/2023</a:t>
+              <a:t>11/11/2025</a:t>
             </a:fld>
             <a:endParaRPr lang="en-US"/>
           </a:p>
@@ -1423,7 +1423,7 @@
           <a:p>
             <a:fld id="{3881C039-66A3-4640-815B-3B5A8B7D868D}" type="datetimeFigureOut">
               <a:rPr lang="en-US" smtClean="0"/>
-              <a:t>4/2/2023</a:t>
+              <a:t>11/11/2025</a:t>
             </a:fld>
             <a:endParaRPr lang="en-US"/>
           </a:p>
@@ -1847,7 +1847,7 @@
           <a:p>
             <a:fld id="{3881C039-66A3-4640-815B-3B5A8B7D868D}" type="datetimeFigureOut">
               <a:rPr lang="en-US" smtClean="0"/>
-              <a:t>4/2/2023</a:t>
+              <a:t>11/11/2025</a:t>
             </a:fld>
             <a:endParaRPr lang="en-US"/>
           </a:p>
@@ -2384,7 +2384,7 @@
           <a:p>
             <a:fld id="{3881C039-66A3-4640-815B-3B5A8B7D868D}" type="datetimeFigureOut">
               <a:rPr lang="en-US" smtClean="0"/>
-              <a:t>4/2/2023</a:t>
+              <a:t>11/11/2025</a:t>
             </a:fld>
             <a:endParaRPr lang="en-US"/>
           </a:p>
@@ -3248,7 +3248,7 @@
           <a:p>
             <a:fld id="{3881C039-66A3-4640-815B-3B5A8B7D868D}" type="datetimeFigureOut">
               <a:rPr lang="en-US" smtClean="0"/>
-              <a:t>4/2/2023</a:t>
+              <a:t>11/11/2025</a:t>
             </a:fld>
             <a:endParaRPr lang="en-US"/>
           </a:p>
@@ -3418,7 +3418,7 @@
           <a:p>
             <a:fld id="{3881C039-66A3-4640-815B-3B5A8B7D868D}" type="datetimeFigureOut">
               <a:rPr lang="en-US" smtClean="0"/>
-              <a:t>4/2/2023</a:t>
+              <a:t>11/11/2025</a:t>
             </a:fld>
             <a:endParaRPr lang="en-US"/>
           </a:p>
@@ -3602,7 +3602,7 @@
           <a:p>
             <a:fld id="{3881C039-66A3-4640-815B-3B5A8B7D868D}" type="datetimeFigureOut">
               <a:rPr lang="en-US" smtClean="0"/>
-              <a:t>4/2/2023</a:t>
+              <a:t>11/11/2025</a:t>
             </a:fld>
             <a:endParaRPr lang="en-US"/>
           </a:p>
@@ -3772,7 +3772,7 @@
           <a:p>
             <a:fld id="{3881C039-66A3-4640-815B-3B5A8B7D868D}" type="datetimeFigureOut">
               <a:rPr lang="en-US" smtClean="0"/>
-              <a:t>4/2/2023</a:t>
+              <a:t>11/11/2025</a:t>
             </a:fld>
             <a:endParaRPr lang="en-US"/>
           </a:p>
@@ -4016,7 +4016,7 @@
           <a:p>
             <a:fld id="{3881C039-66A3-4640-815B-3B5A8B7D868D}" type="datetimeFigureOut">
               <a:rPr lang="en-US" smtClean="0"/>
-              <a:t>4/2/2023</a:t>
+              <a:t>11/11/2025</a:t>
             </a:fld>
             <a:endParaRPr lang="en-US"/>
           </a:p>
@@ -4252,7 +4252,7 @@
           <a:p>
             <a:fld id="{3881C039-66A3-4640-815B-3B5A8B7D868D}" type="datetimeFigureOut">
               <a:rPr lang="en-US" smtClean="0"/>
-              <a:t>4/2/2023</a:t>
+              <a:t>11/11/2025</a:t>
             </a:fld>
             <a:endParaRPr lang="en-US"/>
           </a:p>
@@ -4718,7 +4718,7 @@
           <a:p>
             <a:fld id="{3881C039-66A3-4640-815B-3B5A8B7D868D}" type="datetimeFigureOut">
               <a:rPr lang="en-US" smtClean="0"/>
-              <a:t>4/2/2023</a:t>
+              <a:t>11/11/2025</a:t>
             </a:fld>
             <a:endParaRPr lang="en-US"/>
           </a:p>
@@ -4836,7 +4836,7 @@
           <a:p>
             <a:fld id="{3881C039-66A3-4640-815B-3B5A8B7D868D}" type="datetimeFigureOut">
               <a:rPr lang="en-US" smtClean="0"/>
-              <a:t>4/2/2023</a:t>
+              <a:t>11/11/2025</a:t>
             </a:fld>
             <a:endParaRPr lang="en-US"/>
           </a:p>
@@ -4931,7 +4931,7 @@
           <a:p>
             <a:fld id="{3881C039-66A3-4640-815B-3B5A8B7D868D}" type="datetimeFigureOut">
               <a:rPr lang="en-US" smtClean="0"/>
-              <a:t>4/2/2023</a:t>
+              <a:t>11/11/2025</a:t>
             </a:fld>
             <a:endParaRPr lang="en-US"/>
           </a:p>
@@ -5186,7 +5186,7 @@
           <a:p>
             <a:fld id="{3881C039-66A3-4640-815B-3B5A8B7D868D}" type="datetimeFigureOut">
               <a:rPr lang="en-US" smtClean="0"/>
-              <a:t>4/2/2023</a:t>
+              <a:t>11/11/2025</a:t>
             </a:fld>
             <a:endParaRPr lang="en-US"/>
           </a:p>
@@ -5486,7 +5486,7 @@
           <a:p>
             <a:fld id="{3881C039-66A3-4640-815B-3B5A8B7D868D}" type="datetimeFigureOut">
               <a:rPr lang="en-US" smtClean="0"/>
-              <a:t>4/2/2023</a:t>
+              <a:t>11/11/2025</a:t>
             </a:fld>
             <a:endParaRPr lang="en-US"/>
           </a:p>
@@ -5720,7 +5720,7 @@
           <a:p>
             <a:fld id="{3881C039-66A3-4640-815B-3B5A8B7D868D}" type="datetimeFigureOut">
               <a:rPr lang="en-US" smtClean="0"/>
-              <a:t>4/2/2023</a:t>
+              <a:t>11/11/2025</a:t>
             </a:fld>
             <a:endParaRPr lang="en-US"/>
           </a:p>
@@ -13945,8 +13945,31 @@
                 <a:effectLst/>
                 <a:latin typeface="Selawik Semibold" panose="020B0702040204020203" pitchFamily="34" charset="0"/>
               </a:rPr>
-              <a:t>Critique: “Any system for rating quarterbacks based on passing statistics is really rating the team’s entire passing game."</a:t>
-            </a:r>
+              <a:t>Critique: “Any system for rating quarterbacks based on passing statistics is really rating the team’s entire passing </a:t>
+            </a:r>
+            <a:r>
+              <a:rPr lang="en-US" sz="2200">
+                <a:solidFill>
+                  <a:schemeClr val="bg2">
+                    <a:lumMod val="10000"/>
+                    <a:lumOff val="90000"/>
+                  </a:schemeClr>
+                </a:solidFill>
+                <a:effectLst/>
+                <a:latin typeface="Selawik Semibold" panose="020B0702040204020203" pitchFamily="34" charset="0"/>
+              </a:rPr>
+              <a:t>game.“ –Dean Oliver</a:t>
+            </a:r>
+            <a:endParaRPr lang="en-US" sz="2200" dirty="0">
+              <a:solidFill>
+                <a:schemeClr val="bg2">
+                  <a:lumMod val="10000"/>
+                  <a:lumOff val="90000"/>
+                </a:schemeClr>
+              </a:solidFill>
+              <a:effectLst/>
+              <a:latin typeface="Selawik Semibold" panose="020B0702040204020203" pitchFamily="34" charset="0"/>
+            </a:endParaRPr>
           </a:p>
           <a:p>
             <a:pPr marL="0" indent="0">
@@ -17191,8 +17214,8 @@
           </a:p>
         </p:txBody>
       </p:sp>
-      <mc:AlternateContent xmlns:mc="http://schemas.openxmlformats.org/markup-compatibility/2006">
-        <mc:Choice xmlns:a14="http://schemas.microsoft.com/office/drawing/2010/main" Requires="a14">
+      <mc:AlternateContent xmlns:mc="http://schemas.openxmlformats.org/markup-compatibility/2006" xmlns:a14="http://schemas.microsoft.com/office/drawing/2010/main">
+        <mc:Choice Requires="a14">
           <p:sp>
             <p:nvSpPr>
               <p:cNvPr id="2" name="TextBox 1">
@@ -17221,6 +17244,7 @@
               </a:bodyPr>
               <a:lstStyle/>
               <a:p>
+                <a:pPr/>
                 <a14:m>
                   <m:oMathPara xmlns:m="http://schemas.openxmlformats.org/officeDocument/2006/math">
                     <m:oMathParaPr>
@@ -17305,7 +17329,7 @@
             </p:txBody>
           </p:sp>
         </mc:Choice>
-        <mc:Fallback>
+        <mc:Fallback xmlns="">
           <p:sp>
             <p:nvSpPr>
               <p:cNvPr id="2" name="TextBox 1">

--- a/Slides/Football 2/Footballl_2_Lecture.pptx
+++ b/Slides/Football 2/Footballl_2_Lecture.pptx
@@ -220,7 +220,7 @@
           <a:p>
             <a:fld id="{C04E5E84-956F-4423-97B3-5936A6D8EEEE}" type="datetimeFigureOut">
               <a:rPr lang="en-US" smtClean="0"/>
-              <a:t>11/11/2025</a:t>
+              <a:t>11/18/2025</a:t>
             </a:fld>
             <a:endParaRPr lang="en-US"/>
           </a:p>
@@ -672,7 +672,7 @@
           <a:p>
             <a:fld id="{3881C039-66A3-4640-815B-3B5A8B7D868D}" type="datetimeFigureOut">
               <a:rPr lang="en-US" smtClean="0"/>
-              <a:t>11/11/2025</a:t>
+              <a:t>11/18/2025</a:t>
             </a:fld>
             <a:endParaRPr lang="en-US"/>
           </a:p>
@@ -970,7 +970,7 @@
           <a:p>
             <a:fld id="{3881C039-66A3-4640-815B-3B5A8B7D868D}" type="datetimeFigureOut">
               <a:rPr lang="en-US" smtClean="0"/>
-              <a:t>11/11/2025</a:t>
+              <a:t>11/18/2025</a:t>
             </a:fld>
             <a:endParaRPr lang="en-US"/>
           </a:p>
@@ -1162,7 +1162,7 @@
           <a:p>
             <a:fld id="{3881C039-66A3-4640-815B-3B5A8B7D868D}" type="datetimeFigureOut">
               <a:rPr lang="en-US" smtClean="0"/>
-              <a:t>11/11/2025</a:t>
+              <a:t>11/18/2025</a:t>
             </a:fld>
             <a:endParaRPr lang="en-US"/>
           </a:p>
@@ -1423,7 +1423,7 @@
           <a:p>
             <a:fld id="{3881C039-66A3-4640-815B-3B5A8B7D868D}" type="datetimeFigureOut">
               <a:rPr lang="en-US" smtClean="0"/>
-              <a:t>11/11/2025</a:t>
+              <a:t>11/18/2025</a:t>
             </a:fld>
             <a:endParaRPr lang="en-US"/>
           </a:p>
@@ -1847,7 +1847,7 @@
           <a:p>
             <a:fld id="{3881C039-66A3-4640-815B-3B5A8B7D868D}" type="datetimeFigureOut">
               <a:rPr lang="en-US" smtClean="0"/>
-              <a:t>11/11/2025</a:t>
+              <a:t>11/18/2025</a:t>
             </a:fld>
             <a:endParaRPr lang="en-US"/>
           </a:p>
@@ -2384,7 +2384,7 @@
           <a:p>
             <a:fld id="{3881C039-66A3-4640-815B-3B5A8B7D868D}" type="datetimeFigureOut">
               <a:rPr lang="en-US" smtClean="0"/>
-              <a:t>11/11/2025</a:t>
+              <a:t>11/18/2025</a:t>
             </a:fld>
             <a:endParaRPr lang="en-US"/>
           </a:p>
@@ -3248,7 +3248,7 @@
           <a:p>
             <a:fld id="{3881C039-66A3-4640-815B-3B5A8B7D868D}" type="datetimeFigureOut">
               <a:rPr lang="en-US" smtClean="0"/>
-              <a:t>11/11/2025</a:t>
+              <a:t>11/18/2025</a:t>
             </a:fld>
             <a:endParaRPr lang="en-US"/>
           </a:p>
@@ -3418,7 +3418,7 @@
           <a:p>
             <a:fld id="{3881C039-66A3-4640-815B-3B5A8B7D868D}" type="datetimeFigureOut">
               <a:rPr lang="en-US" smtClean="0"/>
-              <a:t>11/11/2025</a:t>
+              <a:t>11/18/2025</a:t>
             </a:fld>
             <a:endParaRPr lang="en-US"/>
           </a:p>
@@ -3602,7 +3602,7 @@
           <a:p>
             <a:fld id="{3881C039-66A3-4640-815B-3B5A8B7D868D}" type="datetimeFigureOut">
               <a:rPr lang="en-US" smtClean="0"/>
-              <a:t>11/11/2025</a:t>
+              <a:t>11/18/2025</a:t>
             </a:fld>
             <a:endParaRPr lang="en-US"/>
           </a:p>
@@ -3772,7 +3772,7 @@
           <a:p>
             <a:fld id="{3881C039-66A3-4640-815B-3B5A8B7D868D}" type="datetimeFigureOut">
               <a:rPr lang="en-US" smtClean="0"/>
-              <a:t>11/11/2025</a:t>
+              <a:t>11/18/2025</a:t>
             </a:fld>
             <a:endParaRPr lang="en-US"/>
           </a:p>
@@ -4016,7 +4016,7 @@
           <a:p>
             <a:fld id="{3881C039-66A3-4640-815B-3B5A8B7D868D}" type="datetimeFigureOut">
               <a:rPr lang="en-US" smtClean="0"/>
-              <a:t>11/11/2025</a:t>
+              <a:t>11/18/2025</a:t>
             </a:fld>
             <a:endParaRPr lang="en-US"/>
           </a:p>
@@ -4252,7 +4252,7 @@
           <a:p>
             <a:fld id="{3881C039-66A3-4640-815B-3B5A8B7D868D}" type="datetimeFigureOut">
               <a:rPr lang="en-US" smtClean="0"/>
-              <a:t>11/11/2025</a:t>
+              <a:t>11/18/2025</a:t>
             </a:fld>
             <a:endParaRPr lang="en-US"/>
           </a:p>
@@ -4718,7 +4718,7 @@
           <a:p>
             <a:fld id="{3881C039-66A3-4640-815B-3B5A8B7D868D}" type="datetimeFigureOut">
               <a:rPr lang="en-US" smtClean="0"/>
-              <a:t>11/11/2025</a:t>
+              <a:t>11/18/2025</a:t>
             </a:fld>
             <a:endParaRPr lang="en-US"/>
           </a:p>
@@ -4836,7 +4836,7 @@
           <a:p>
             <a:fld id="{3881C039-66A3-4640-815B-3B5A8B7D868D}" type="datetimeFigureOut">
               <a:rPr lang="en-US" smtClean="0"/>
-              <a:t>11/11/2025</a:t>
+              <a:t>11/18/2025</a:t>
             </a:fld>
             <a:endParaRPr lang="en-US"/>
           </a:p>
@@ -4931,7 +4931,7 @@
           <a:p>
             <a:fld id="{3881C039-66A3-4640-815B-3B5A8B7D868D}" type="datetimeFigureOut">
               <a:rPr lang="en-US" smtClean="0"/>
-              <a:t>11/11/2025</a:t>
+              <a:t>11/18/2025</a:t>
             </a:fld>
             <a:endParaRPr lang="en-US"/>
           </a:p>
@@ -5186,7 +5186,7 @@
           <a:p>
             <a:fld id="{3881C039-66A3-4640-815B-3B5A8B7D868D}" type="datetimeFigureOut">
               <a:rPr lang="en-US" smtClean="0"/>
-              <a:t>11/11/2025</a:t>
+              <a:t>11/18/2025</a:t>
             </a:fld>
             <a:endParaRPr lang="en-US"/>
           </a:p>
@@ -5486,7 +5486,7 @@
           <a:p>
             <a:fld id="{3881C039-66A3-4640-815B-3B5A8B7D868D}" type="datetimeFigureOut">
               <a:rPr lang="en-US" smtClean="0"/>
-              <a:t>11/11/2025</a:t>
+              <a:t>11/18/2025</a:t>
             </a:fld>
             <a:endParaRPr lang="en-US"/>
           </a:p>
@@ -5720,7 +5720,7 @@
           <a:p>
             <a:fld id="{3881C039-66A3-4640-815B-3B5A8B7D868D}" type="datetimeFigureOut">
               <a:rPr lang="en-US" smtClean="0"/>
-              <a:t>11/11/2025</a:t>
+              <a:t>11/18/2025</a:t>
             </a:fld>
             <a:endParaRPr lang="en-US"/>
           </a:p>
@@ -13764,6 +13764,19 @@
               <a:buChar char="v"/>
             </a:pPr>
             <a:r>
+              <a:rPr lang="en-US" sz="2400">
+                <a:solidFill>
+                  <a:schemeClr val="bg2">
+                    <a:lumMod val="10000"/>
+                    <a:lumOff val="90000"/>
+                  </a:schemeClr>
+                </a:solidFill>
+                <a:effectLst/>
+                <a:latin typeface="Selawik Semibold" panose="020B0702040204020203" pitchFamily="34" charset="0"/>
+              </a:rPr>
+              <a:t>Passer </a:t>
+            </a:r>
+            <a:r>
               <a:rPr lang="en-US" sz="2400" dirty="0">
                 <a:solidFill>
                   <a:schemeClr val="bg2">
@@ -13774,7 +13787,7 @@
                 <a:effectLst/>
                 <a:latin typeface="Selawik Semibold" panose="020B0702040204020203" pitchFamily="34" charset="0"/>
               </a:rPr>
-              <a:t>Quarterback’s Rating Based on 4 Stats (NFL)</a:t>
+              <a:t>Rating Based on 4 Stats (NFL)</a:t>
             </a:r>
           </a:p>
           <a:p>
@@ -13945,31 +13958,8 @@
                 <a:effectLst/>
                 <a:latin typeface="Selawik Semibold" panose="020B0702040204020203" pitchFamily="34" charset="0"/>
               </a:rPr>
-              <a:t>Critique: “Any system for rating quarterbacks based on passing statistics is really rating the team’s entire passing </a:t>
-            </a:r>
-            <a:r>
-              <a:rPr lang="en-US" sz="2200">
-                <a:solidFill>
-                  <a:schemeClr val="bg2">
-                    <a:lumMod val="10000"/>
-                    <a:lumOff val="90000"/>
-                  </a:schemeClr>
-                </a:solidFill>
-                <a:effectLst/>
-                <a:latin typeface="Selawik Semibold" panose="020B0702040204020203" pitchFamily="34" charset="0"/>
-              </a:rPr>
-              <a:t>game.“ –Dean Oliver</a:t>
-            </a:r>
-            <a:endParaRPr lang="en-US" sz="2200" dirty="0">
-              <a:solidFill>
-                <a:schemeClr val="bg2">
-                  <a:lumMod val="10000"/>
-                  <a:lumOff val="90000"/>
-                </a:schemeClr>
-              </a:solidFill>
-              <a:effectLst/>
-              <a:latin typeface="Selawik Semibold" panose="020B0702040204020203" pitchFamily="34" charset="0"/>
-            </a:endParaRPr>
+              <a:t>Critique: “Any system for rating quarterbacks based on passing statistics is really rating the team’s entire passing game.“ –Dean Oliver</a:t>
+            </a:r>
           </a:p>
           <a:p>
             <a:pPr marL="0" indent="0">
